--- a/ps5/figures.pptx
+++ b/ps5/figures.pptx
@@ -6,6 +6,10 @@
   </p:sldMasterIdLst>
   <p:sldIdLst>
     <p:sldId id="257" r:id="rId2"/>
+    <p:sldId id="258" r:id="rId3"/>
+    <p:sldId id="259" r:id="rId4"/>
+    <p:sldId id="260" r:id="rId5"/>
+    <p:sldId id="261" r:id="rId6"/>
   </p:sldIdLst>
   <p:sldSz cx="12192000" cy="6858000"/>
   <p:notesSz cx="6858000" cy="9144000"/>
@@ -243,7 +247,7 @@
           <a:p>
             <a:fld id="{99DA3316-8CDF-334B-B2E7-0F5EE8E4A790}" type="datetimeFigureOut">
               <a:rPr lang="en-US" smtClean="0"/>
-              <a:t>11/3/18</a:t>
+              <a:t>11/4/18</a:t>
             </a:fld>
             <a:endParaRPr lang="en-US"/>
           </a:p>
@@ -413,7 +417,7 @@
           <a:p>
             <a:fld id="{99DA3316-8CDF-334B-B2E7-0F5EE8E4A790}" type="datetimeFigureOut">
               <a:rPr lang="en-US" smtClean="0"/>
-              <a:t>11/3/18</a:t>
+              <a:t>11/4/18</a:t>
             </a:fld>
             <a:endParaRPr lang="en-US"/>
           </a:p>
@@ -593,7 +597,7 @@
           <a:p>
             <a:fld id="{99DA3316-8CDF-334B-B2E7-0F5EE8E4A790}" type="datetimeFigureOut">
               <a:rPr lang="en-US" smtClean="0"/>
-              <a:t>11/3/18</a:t>
+              <a:t>11/4/18</a:t>
             </a:fld>
             <a:endParaRPr lang="en-US"/>
           </a:p>
@@ -763,7 +767,7 @@
           <a:p>
             <a:fld id="{99DA3316-8CDF-334B-B2E7-0F5EE8E4A790}" type="datetimeFigureOut">
               <a:rPr lang="en-US" smtClean="0"/>
-              <a:t>11/3/18</a:t>
+              <a:t>11/4/18</a:t>
             </a:fld>
             <a:endParaRPr lang="en-US"/>
           </a:p>
@@ -1009,7 +1013,7 @@
           <a:p>
             <a:fld id="{99DA3316-8CDF-334B-B2E7-0F5EE8E4A790}" type="datetimeFigureOut">
               <a:rPr lang="en-US" smtClean="0"/>
-              <a:t>11/3/18</a:t>
+              <a:t>11/4/18</a:t>
             </a:fld>
             <a:endParaRPr lang="en-US"/>
           </a:p>
@@ -1241,7 +1245,7 @@
           <a:p>
             <a:fld id="{99DA3316-8CDF-334B-B2E7-0F5EE8E4A790}" type="datetimeFigureOut">
               <a:rPr lang="en-US" smtClean="0"/>
-              <a:t>11/3/18</a:t>
+              <a:t>11/4/18</a:t>
             </a:fld>
             <a:endParaRPr lang="en-US"/>
           </a:p>
@@ -1608,7 +1612,7 @@
           <a:p>
             <a:fld id="{99DA3316-8CDF-334B-B2E7-0F5EE8E4A790}" type="datetimeFigureOut">
               <a:rPr lang="en-US" smtClean="0"/>
-              <a:t>11/3/18</a:t>
+              <a:t>11/4/18</a:t>
             </a:fld>
             <a:endParaRPr lang="en-US"/>
           </a:p>
@@ -1726,7 +1730,7 @@
           <a:p>
             <a:fld id="{99DA3316-8CDF-334B-B2E7-0F5EE8E4A790}" type="datetimeFigureOut">
               <a:rPr lang="en-US" smtClean="0"/>
-              <a:t>11/3/18</a:t>
+              <a:t>11/4/18</a:t>
             </a:fld>
             <a:endParaRPr lang="en-US"/>
           </a:p>
@@ -1821,7 +1825,7 @@
           <a:p>
             <a:fld id="{99DA3316-8CDF-334B-B2E7-0F5EE8E4A790}" type="datetimeFigureOut">
               <a:rPr lang="en-US" smtClean="0"/>
-              <a:t>11/3/18</a:t>
+              <a:t>11/4/18</a:t>
             </a:fld>
             <a:endParaRPr lang="en-US"/>
           </a:p>
@@ -2098,7 +2102,7 @@
           <a:p>
             <a:fld id="{99DA3316-8CDF-334B-B2E7-0F5EE8E4A790}" type="datetimeFigureOut">
               <a:rPr lang="en-US" smtClean="0"/>
-              <a:t>11/3/18</a:t>
+              <a:t>11/4/18</a:t>
             </a:fld>
             <a:endParaRPr lang="en-US"/>
           </a:p>
@@ -2351,7 +2355,7 @@
           <a:p>
             <a:fld id="{99DA3316-8CDF-334B-B2E7-0F5EE8E4A790}" type="datetimeFigureOut">
               <a:rPr lang="en-US" smtClean="0"/>
-              <a:t>11/3/18</a:t>
+              <a:t>11/4/18</a:t>
             </a:fld>
             <a:endParaRPr lang="en-US"/>
           </a:p>
@@ -2564,7 +2568,7 @@
           <a:p>
             <a:fld id="{99DA3316-8CDF-334B-B2E7-0F5EE8E4A790}" type="datetimeFigureOut">
               <a:rPr lang="en-US" smtClean="0"/>
-              <a:t>11/3/18</a:t>
+              <a:t>11/4/18</a:t>
             </a:fld>
             <a:endParaRPr lang="en-US"/>
           </a:p>
@@ -5548,6 +5552,4082 @@
 </p:sld>
 </file>
 
+<file path=ppt/slides/slide2.xml><?xml version="1.0" encoding="utf-8"?>
+<p:sld xmlns:a="http://schemas.openxmlformats.org/drawingml/2006/main" xmlns:r="http://schemas.openxmlformats.org/officeDocument/2006/relationships" xmlns:p="http://schemas.openxmlformats.org/presentationml/2006/main">
+  <p:cSld>
+    <p:spTree>
+      <p:nvGrpSpPr>
+        <p:cNvPr id="1" name=""/>
+        <p:cNvGrpSpPr/>
+        <p:nvPr/>
+      </p:nvGrpSpPr>
+      <p:grpSpPr>
+        <a:xfrm>
+          <a:off x="0" y="0"/>
+          <a:ext cx="0" cy="0"/>
+          <a:chOff x="0" y="0"/>
+          <a:chExt cx="0" cy="0"/>
+        </a:xfrm>
+      </p:grpSpPr>
+      <p:sp>
+        <p:nvSpPr>
+          <p:cNvPr id="2" name="Oval 1"/>
+          <p:cNvSpPr/>
+          <p:nvPr/>
+        </p:nvSpPr>
+        <p:spPr>
+          <a:xfrm>
+            <a:off x="5303520" y="1420837"/>
+            <a:ext cx="717452" cy="717452"/>
+          </a:xfrm>
+          <a:prstGeom prst="ellipse">
+            <a:avLst/>
+          </a:prstGeom>
+          <a:noFill/>
+          <a:ln w="25400">
+            <a:solidFill>
+              <a:schemeClr val="tx1"/>
+            </a:solidFill>
+          </a:ln>
+        </p:spPr>
+        <p:style>
+          <a:lnRef idx="2">
+            <a:schemeClr val="accent1">
+              <a:shade val="50000"/>
+            </a:schemeClr>
+          </a:lnRef>
+          <a:fillRef idx="1">
+            <a:schemeClr val="accent1"/>
+          </a:fillRef>
+          <a:effectRef idx="0">
+            <a:schemeClr val="accent1"/>
+          </a:effectRef>
+          <a:fontRef idx="minor">
+            <a:schemeClr val="lt1"/>
+          </a:fontRef>
+        </p:style>
+        <p:txBody>
+          <a:bodyPr rtlCol="0" anchor="ctr"/>
+          <a:lstStyle/>
+          <a:p>
+            <a:pPr algn="ctr"/>
+            <a:r>
+              <a:rPr lang="en-US" sz="4000" dirty="0" smtClean="0">
+                <a:solidFill>
+                  <a:schemeClr val="tx1"/>
+                </a:solidFill>
+              </a:rPr>
+              <a:t>2</a:t>
+            </a:r>
+            <a:endParaRPr lang="en-US" sz="4000" dirty="0">
+              <a:solidFill>
+                <a:schemeClr val="tx1"/>
+              </a:solidFill>
+            </a:endParaRPr>
+          </a:p>
+        </p:txBody>
+      </p:sp>
+      <p:sp>
+        <p:nvSpPr>
+          <p:cNvPr id="3" name="Oval 2"/>
+          <p:cNvSpPr/>
+          <p:nvPr/>
+        </p:nvSpPr>
+        <p:spPr>
+          <a:xfrm>
+            <a:off x="5303520" y="3022209"/>
+            <a:ext cx="717452" cy="717452"/>
+          </a:xfrm>
+          <a:prstGeom prst="ellipse">
+            <a:avLst/>
+          </a:prstGeom>
+          <a:noFill/>
+          <a:ln w="25400">
+            <a:solidFill>
+              <a:schemeClr val="tx1"/>
+            </a:solidFill>
+          </a:ln>
+        </p:spPr>
+        <p:style>
+          <a:lnRef idx="2">
+            <a:schemeClr val="accent1">
+              <a:shade val="50000"/>
+            </a:schemeClr>
+          </a:lnRef>
+          <a:fillRef idx="1">
+            <a:schemeClr val="accent1"/>
+          </a:fillRef>
+          <a:effectRef idx="0">
+            <a:schemeClr val="accent1"/>
+          </a:effectRef>
+          <a:fontRef idx="minor">
+            <a:schemeClr val="lt1"/>
+          </a:fontRef>
+        </p:style>
+        <p:txBody>
+          <a:bodyPr rtlCol="0" anchor="ctr"/>
+          <a:lstStyle/>
+          <a:p>
+            <a:pPr algn="ctr"/>
+            <a:r>
+              <a:rPr lang="en-US" sz="4000" dirty="0" smtClean="0">
+                <a:solidFill>
+                  <a:schemeClr val="tx1"/>
+                </a:solidFill>
+              </a:rPr>
+              <a:t>5</a:t>
+            </a:r>
+            <a:endParaRPr lang="en-US" sz="4000" dirty="0">
+              <a:solidFill>
+                <a:schemeClr val="tx1"/>
+              </a:solidFill>
+            </a:endParaRPr>
+          </a:p>
+        </p:txBody>
+      </p:sp>
+      <p:sp>
+        <p:nvSpPr>
+          <p:cNvPr id="4" name="Oval 3"/>
+          <p:cNvSpPr/>
+          <p:nvPr/>
+        </p:nvSpPr>
+        <p:spPr>
+          <a:xfrm>
+            <a:off x="3894406" y="2438400"/>
+            <a:ext cx="717452" cy="717452"/>
+          </a:xfrm>
+          <a:prstGeom prst="ellipse">
+            <a:avLst/>
+          </a:prstGeom>
+          <a:noFill/>
+          <a:ln w="25400">
+            <a:solidFill>
+              <a:schemeClr val="tx1"/>
+            </a:solidFill>
+          </a:ln>
+        </p:spPr>
+        <p:style>
+          <a:lnRef idx="2">
+            <a:schemeClr val="accent1">
+              <a:shade val="50000"/>
+            </a:schemeClr>
+          </a:lnRef>
+          <a:fillRef idx="1">
+            <a:schemeClr val="accent1"/>
+          </a:fillRef>
+          <a:effectRef idx="0">
+            <a:schemeClr val="accent1"/>
+          </a:effectRef>
+          <a:fontRef idx="minor">
+            <a:schemeClr val="lt1"/>
+          </a:fontRef>
+        </p:style>
+        <p:txBody>
+          <a:bodyPr rtlCol="0" anchor="ctr"/>
+          <a:lstStyle/>
+          <a:p>
+            <a:pPr algn="ctr"/>
+            <a:r>
+              <a:rPr lang="en-US" sz="4000" dirty="0" smtClean="0">
+                <a:solidFill>
+                  <a:schemeClr val="tx1"/>
+                </a:solidFill>
+              </a:rPr>
+              <a:t>1</a:t>
+            </a:r>
+            <a:endParaRPr lang="en-US" sz="4000" dirty="0">
+              <a:solidFill>
+                <a:schemeClr val="tx1"/>
+              </a:solidFill>
+            </a:endParaRPr>
+          </a:p>
+        </p:txBody>
+      </p:sp>
+      <p:sp>
+        <p:nvSpPr>
+          <p:cNvPr id="5" name="Oval 4"/>
+          <p:cNvSpPr/>
+          <p:nvPr/>
+        </p:nvSpPr>
+        <p:spPr>
+          <a:xfrm>
+            <a:off x="6712634" y="2438400"/>
+            <a:ext cx="717452" cy="717452"/>
+          </a:xfrm>
+          <a:prstGeom prst="ellipse">
+            <a:avLst/>
+          </a:prstGeom>
+          <a:noFill/>
+          <a:ln w="25400">
+            <a:solidFill>
+              <a:schemeClr val="tx1"/>
+            </a:solidFill>
+          </a:ln>
+        </p:spPr>
+        <p:style>
+          <a:lnRef idx="2">
+            <a:schemeClr val="accent1">
+              <a:shade val="50000"/>
+            </a:schemeClr>
+          </a:lnRef>
+          <a:fillRef idx="1">
+            <a:schemeClr val="accent1"/>
+          </a:fillRef>
+          <a:effectRef idx="0">
+            <a:schemeClr val="accent1"/>
+          </a:effectRef>
+          <a:fontRef idx="minor">
+            <a:schemeClr val="lt1"/>
+          </a:fontRef>
+        </p:style>
+        <p:txBody>
+          <a:bodyPr rtlCol="0" anchor="ctr"/>
+          <a:lstStyle/>
+          <a:p>
+            <a:pPr algn="ctr"/>
+            <a:r>
+              <a:rPr lang="en-US" sz="4000" smtClean="0">
+                <a:solidFill>
+                  <a:schemeClr val="tx1"/>
+                </a:solidFill>
+              </a:rPr>
+              <a:t>3</a:t>
+            </a:r>
+            <a:endParaRPr lang="en-US" sz="4000" dirty="0">
+              <a:solidFill>
+                <a:schemeClr val="tx1"/>
+              </a:solidFill>
+            </a:endParaRPr>
+          </a:p>
+        </p:txBody>
+      </p:sp>
+      <p:cxnSp>
+        <p:nvCxnSpPr>
+          <p:cNvPr id="6" name="Straight Arrow Connector 5"/>
+          <p:cNvCxnSpPr>
+            <a:stCxn id="2" idx="3"/>
+            <a:endCxn id="4" idx="7"/>
+          </p:cNvCxnSpPr>
+          <p:nvPr/>
+        </p:nvCxnSpPr>
+        <p:spPr>
+          <a:xfrm flipH="1">
+            <a:off x="4506790" y="2033221"/>
+            <a:ext cx="901798" cy="510247"/>
+          </a:xfrm>
+          <a:prstGeom prst="straightConnector1">
+            <a:avLst/>
+          </a:prstGeom>
+          <a:ln w="31750">
+            <a:solidFill>
+              <a:schemeClr val="tx1"/>
+            </a:solidFill>
+            <a:prstDash val="solid"/>
+            <a:tailEnd type="none" w="lg" len="lg"/>
+          </a:ln>
+        </p:spPr>
+        <p:style>
+          <a:lnRef idx="1">
+            <a:schemeClr val="accent1"/>
+          </a:lnRef>
+          <a:fillRef idx="0">
+            <a:schemeClr val="accent1"/>
+          </a:fillRef>
+          <a:effectRef idx="0">
+            <a:schemeClr val="accent1"/>
+          </a:effectRef>
+          <a:fontRef idx="minor">
+            <a:schemeClr val="tx1"/>
+          </a:fontRef>
+        </p:style>
+      </p:cxnSp>
+      <p:cxnSp>
+        <p:nvCxnSpPr>
+          <p:cNvPr id="11" name="Straight Arrow Connector 10"/>
+          <p:cNvCxnSpPr>
+            <a:stCxn id="2" idx="4"/>
+            <a:endCxn id="3" idx="0"/>
+          </p:cNvCxnSpPr>
+          <p:nvPr/>
+        </p:nvCxnSpPr>
+        <p:spPr>
+          <a:xfrm>
+            <a:off x="5662246" y="2138289"/>
+            <a:ext cx="0" cy="883920"/>
+          </a:xfrm>
+          <a:prstGeom prst="straightConnector1">
+            <a:avLst/>
+          </a:prstGeom>
+          <a:ln w="31750">
+            <a:solidFill>
+              <a:schemeClr val="tx1"/>
+            </a:solidFill>
+            <a:prstDash val="solid"/>
+            <a:tailEnd type="none" w="lg" len="lg"/>
+          </a:ln>
+        </p:spPr>
+        <p:style>
+          <a:lnRef idx="1">
+            <a:schemeClr val="accent1"/>
+          </a:lnRef>
+          <a:fillRef idx="0">
+            <a:schemeClr val="accent1"/>
+          </a:fillRef>
+          <a:effectRef idx="0">
+            <a:schemeClr val="accent1"/>
+          </a:effectRef>
+          <a:fontRef idx="minor">
+            <a:schemeClr val="tx1"/>
+          </a:fontRef>
+        </p:style>
+      </p:cxnSp>
+      <p:cxnSp>
+        <p:nvCxnSpPr>
+          <p:cNvPr id="14" name="Straight Arrow Connector 13"/>
+          <p:cNvCxnSpPr>
+            <a:stCxn id="2" idx="5"/>
+            <a:endCxn id="5" idx="1"/>
+          </p:cNvCxnSpPr>
+          <p:nvPr/>
+        </p:nvCxnSpPr>
+        <p:spPr>
+          <a:xfrm>
+            <a:off x="5915904" y="2033221"/>
+            <a:ext cx="901798" cy="510247"/>
+          </a:xfrm>
+          <a:prstGeom prst="straightConnector1">
+            <a:avLst/>
+          </a:prstGeom>
+          <a:ln w="31750">
+            <a:solidFill>
+              <a:schemeClr val="tx1"/>
+            </a:solidFill>
+            <a:prstDash val="solid"/>
+            <a:tailEnd type="none" w="lg" len="lg"/>
+          </a:ln>
+        </p:spPr>
+        <p:style>
+          <a:lnRef idx="1">
+            <a:schemeClr val="accent1"/>
+          </a:lnRef>
+          <a:fillRef idx="0">
+            <a:schemeClr val="accent1"/>
+          </a:fillRef>
+          <a:effectRef idx="0">
+            <a:schemeClr val="accent1"/>
+          </a:effectRef>
+          <a:fontRef idx="minor">
+            <a:schemeClr val="tx1"/>
+          </a:fontRef>
+        </p:style>
+      </p:cxnSp>
+    </p:spTree>
+    <p:extLst>
+      <p:ext uri="{BB962C8B-B14F-4D97-AF65-F5344CB8AC3E}">
+        <p14:creationId xmlns:p14="http://schemas.microsoft.com/office/powerpoint/2010/main" val="1657820238"/>
+      </p:ext>
+    </p:extLst>
+  </p:cSld>
+  <p:clrMapOvr>
+    <a:masterClrMapping/>
+  </p:clrMapOvr>
+</p:sld>
+</file>
+
+<file path=ppt/slides/slide3.xml><?xml version="1.0" encoding="utf-8"?>
+<p:sld xmlns:a="http://schemas.openxmlformats.org/drawingml/2006/main" xmlns:r="http://schemas.openxmlformats.org/officeDocument/2006/relationships" xmlns:p="http://schemas.openxmlformats.org/presentationml/2006/main">
+  <p:cSld>
+    <p:spTree>
+      <p:nvGrpSpPr>
+        <p:cNvPr id="1" name=""/>
+        <p:cNvGrpSpPr/>
+        <p:nvPr/>
+      </p:nvGrpSpPr>
+      <p:grpSpPr>
+        <a:xfrm>
+          <a:off x="0" y="0"/>
+          <a:ext cx="0" cy="0"/>
+          <a:chOff x="0" y="0"/>
+          <a:chExt cx="0" cy="0"/>
+        </a:xfrm>
+      </p:grpSpPr>
+      <p:sp>
+        <p:nvSpPr>
+          <p:cNvPr id="2" name="Oval 1"/>
+          <p:cNvSpPr/>
+          <p:nvPr/>
+        </p:nvSpPr>
+        <p:spPr>
+          <a:xfrm>
+            <a:off x="5303520" y="1420837"/>
+            <a:ext cx="717452" cy="717452"/>
+          </a:xfrm>
+          <a:prstGeom prst="ellipse">
+            <a:avLst/>
+          </a:prstGeom>
+          <a:noFill/>
+          <a:ln w="25400">
+            <a:solidFill>
+              <a:schemeClr val="tx1"/>
+            </a:solidFill>
+          </a:ln>
+        </p:spPr>
+        <p:style>
+          <a:lnRef idx="2">
+            <a:schemeClr val="accent1">
+              <a:shade val="50000"/>
+            </a:schemeClr>
+          </a:lnRef>
+          <a:fillRef idx="1">
+            <a:schemeClr val="accent1"/>
+          </a:fillRef>
+          <a:effectRef idx="0">
+            <a:schemeClr val="accent1"/>
+          </a:effectRef>
+          <a:fontRef idx="minor">
+            <a:schemeClr val="lt1"/>
+          </a:fontRef>
+        </p:style>
+        <p:txBody>
+          <a:bodyPr rtlCol="0" anchor="ctr"/>
+          <a:lstStyle/>
+          <a:p>
+            <a:pPr algn="ctr"/>
+            <a:r>
+              <a:rPr lang="en-US" sz="4000" dirty="0" smtClean="0">
+                <a:solidFill>
+                  <a:schemeClr val="tx1"/>
+                </a:solidFill>
+              </a:rPr>
+              <a:t>2</a:t>
+            </a:r>
+            <a:endParaRPr lang="en-US" sz="4000" dirty="0">
+              <a:solidFill>
+                <a:schemeClr val="tx1"/>
+              </a:solidFill>
+            </a:endParaRPr>
+          </a:p>
+        </p:txBody>
+      </p:sp>
+      <p:sp>
+        <p:nvSpPr>
+          <p:cNvPr id="3" name="Oval 2"/>
+          <p:cNvSpPr/>
+          <p:nvPr/>
+        </p:nvSpPr>
+        <p:spPr>
+          <a:xfrm>
+            <a:off x="5303520" y="3022209"/>
+            <a:ext cx="717452" cy="717452"/>
+          </a:xfrm>
+          <a:prstGeom prst="ellipse">
+            <a:avLst/>
+          </a:prstGeom>
+          <a:noFill/>
+          <a:ln w="25400">
+            <a:solidFill>
+              <a:schemeClr val="tx1"/>
+            </a:solidFill>
+          </a:ln>
+        </p:spPr>
+        <p:style>
+          <a:lnRef idx="2">
+            <a:schemeClr val="accent1">
+              <a:shade val="50000"/>
+            </a:schemeClr>
+          </a:lnRef>
+          <a:fillRef idx="1">
+            <a:schemeClr val="accent1"/>
+          </a:fillRef>
+          <a:effectRef idx="0">
+            <a:schemeClr val="accent1"/>
+          </a:effectRef>
+          <a:fontRef idx="minor">
+            <a:schemeClr val="lt1"/>
+          </a:fontRef>
+        </p:style>
+        <p:txBody>
+          <a:bodyPr rtlCol="0" anchor="ctr"/>
+          <a:lstStyle/>
+          <a:p>
+            <a:pPr algn="ctr"/>
+            <a:r>
+              <a:rPr lang="en-US" sz="4000" dirty="0" smtClean="0">
+                <a:solidFill>
+                  <a:schemeClr val="tx1"/>
+                </a:solidFill>
+              </a:rPr>
+              <a:t>5</a:t>
+            </a:r>
+            <a:endParaRPr lang="en-US" sz="4000" dirty="0">
+              <a:solidFill>
+                <a:schemeClr val="tx1"/>
+              </a:solidFill>
+            </a:endParaRPr>
+          </a:p>
+        </p:txBody>
+      </p:sp>
+      <p:sp>
+        <p:nvSpPr>
+          <p:cNvPr id="4" name="Oval 3"/>
+          <p:cNvSpPr/>
+          <p:nvPr/>
+        </p:nvSpPr>
+        <p:spPr>
+          <a:xfrm>
+            <a:off x="3894406" y="2438400"/>
+            <a:ext cx="717452" cy="717452"/>
+          </a:xfrm>
+          <a:prstGeom prst="ellipse">
+            <a:avLst/>
+          </a:prstGeom>
+          <a:noFill/>
+          <a:ln w="25400">
+            <a:solidFill>
+              <a:schemeClr val="tx1"/>
+            </a:solidFill>
+          </a:ln>
+        </p:spPr>
+        <p:style>
+          <a:lnRef idx="2">
+            <a:schemeClr val="accent1">
+              <a:shade val="50000"/>
+            </a:schemeClr>
+          </a:lnRef>
+          <a:fillRef idx="1">
+            <a:schemeClr val="accent1"/>
+          </a:fillRef>
+          <a:effectRef idx="0">
+            <a:schemeClr val="accent1"/>
+          </a:effectRef>
+          <a:fontRef idx="minor">
+            <a:schemeClr val="lt1"/>
+          </a:fontRef>
+        </p:style>
+        <p:txBody>
+          <a:bodyPr rtlCol="0" anchor="ctr"/>
+          <a:lstStyle/>
+          <a:p>
+            <a:pPr algn="ctr"/>
+            <a:r>
+              <a:rPr lang="en-US" sz="4000" dirty="0" smtClean="0">
+                <a:solidFill>
+                  <a:schemeClr val="tx1"/>
+                </a:solidFill>
+              </a:rPr>
+              <a:t>1</a:t>
+            </a:r>
+            <a:endParaRPr lang="en-US" sz="4000" dirty="0">
+              <a:solidFill>
+                <a:schemeClr val="tx1"/>
+              </a:solidFill>
+            </a:endParaRPr>
+          </a:p>
+        </p:txBody>
+      </p:sp>
+      <p:sp>
+        <p:nvSpPr>
+          <p:cNvPr id="5" name="Oval 4"/>
+          <p:cNvSpPr/>
+          <p:nvPr/>
+        </p:nvSpPr>
+        <p:spPr>
+          <a:xfrm>
+            <a:off x="6712634" y="2438400"/>
+            <a:ext cx="717452" cy="717452"/>
+          </a:xfrm>
+          <a:prstGeom prst="ellipse">
+            <a:avLst/>
+          </a:prstGeom>
+          <a:noFill/>
+          <a:ln w="25400">
+            <a:solidFill>
+              <a:schemeClr val="tx1"/>
+            </a:solidFill>
+          </a:ln>
+        </p:spPr>
+        <p:style>
+          <a:lnRef idx="2">
+            <a:schemeClr val="accent1">
+              <a:shade val="50000"/>
+            </a:schemeClr>
+          </a:lnRef>
+          <a:fillRef idx="1">
+            <a:schemeClr val="accent1"/>
+          </a:fillRef>
+          <a:effectRef idx="0">
+            <a:schemeClr val="accent1"/>
+          </a:effectRef>
+          <a:fontRef idx="minor">
+            <a:schemeClr val="lt1"/>
+          </a:fontRef>
+        </p:style>
+        <p:txBody>
+          <a:bodyPr rtlCol="0" anchor="ctr"/>
+          <a:lstStyle/>
+          <a:p>
+            <a:pPr algn="ctr"/>
+            <a:r>
+              <a:rPr lang="en-US" sz="4000" smtClean="0">
+                <a:solidFill>
+                  <a:schemeClr val="tx1"/>
+                </a:solidFill>
+              </a:rPr>
+              <a:t>3</a:t>
+            </a:r>
+            <a:endParaRPr lang="en-US" sz="4000" dirty="0">
+              <a:solidFill>
+                <a:schemeClr val="tx1"/>
+              </a:solidFill>
+            </a:endParaRPr>
+          </a:p>
+        </p:txBody>
+      </p:sp>
+      <p:cxnSp>
+        <p:nvCxnSpPr>
+          <p:cNvPr id="6" name="Straight Arrow Connector 5"/>
+          <p:cNvCxnSpPr>
+            <a:stCxn id="2" idx="3"/>
+            <a:endCxn id="4" idx="7"/>
+          </p:cNvCxnSpPr>
+          <p:nvPr/>
+        </p:nvCxnSpPr>
+        <p:spPr>
+          <a:xfrm flipH="1">
+            <a:off x="4506790" y="2033221"/>
+            <a:ext cx="901798" cy="510247"/>
+          </a:xfrm>
+          <a:prstGeom prst="straightConnector1">
+            <a:avLst/>
+          </a:prstGeom>
+          <a:ln w="31750">
+            <a:solidFill>
+              <a:schemeClr val="tx1"/>
+            </a:solidFill>
+            <a:prstDash val="solid"/>
+            <a:tailEnd type="none" w="lg" len="lg"/>
+          </a:ln>
+        </p:spPr>
+        <p:style>
+          <a:lnRef idx="1">
+            <a:schemeClr val="accent1"/>
+          </a:lnRef>
+          <a:fillRef idx="0">
+            <a:schemeClr val="accent1"/>
+          </a:fillRef>
+          <a:effectRef idx="0">
+            <a:schemeClr val="accent1"/>
+          </a:effectRef>
+          <a:fontRef idx="minor">
+            <a:schemeClr val="tx1"/>
+          </a:fontRef>
+        </p:style>
+      </p:cxnSp>
+      <p:cxnSp>
+        <p:nvCxnSpPr>
+          <p:cNvPr id="11" name="Straight Arrow Connector 10"/>
+          <p:cNvCxnSpPr>
+            <a:stCxn id="2" idx="4"/>
+            <a:endCxn id="3" idx="0"/>
+          </p:cNvCxnSpPr>
+          <p:nvPr/>
+        </p:nvCxnSpPr>
+        <p:spPr>
+          <a:xfrm>
+            <a:off x="5662246" y="2138289"/>
+            <a:ext cx="0" cy="883920"/>
+          </a:xfrm>
+          <a:prstGeom prst="straightConnector1">
+            <a:avLst/>
+          </a:prstGeom>
+          <a:ln w="31750">
+            <a:solidFill>
+              <a:schemeClr val="tx1"/>
+            </a:solidFill>
+            <a:prstDash val="solid"/>
+            <a:tailEnd type="none" w="lg" len="lg"/>
+          </a:ln>
+        </p:spPr>
+        <p:style>
+          <a:lnRef idx="1">
+            <a:schemeClr val="accent1"/>
+          </a:lnRef>
+          <a:fillRef idx="0">
+            <a:schemeClr val="accent1"/>
+          </a:fillRef>
+          <a:effectRef idx="0">
+            <a:schemeClr val="accent1"/>
+          </a:effectRef>
+          <a:fontRef idx="minor">
+            <a:schemeClr val="tx1"/>
+          </a:fontRef>
+        </p:style>
+      </p:cxnSp>
+      <p:cxnSp>
+        <p:nvCxnSpPr>
+          <p:cNvPr id="14" name="Straight Arrow Connector 13"/>
+          <p:cNvCxnSpPr>
+            <a:stCxn id="2" idx="5"/>
+            <a:endCxn id="5" idx="1"/>
+          </p:cNvCxnSpPr>
+          <p:nvPr/>
+        </p:nvCxnSpPr>
+        <p:spPr>
+          <a:xfrm>
+            <a:off x="5915904" y="2033221"/>
+            <a:ext cx="901798" cy="510247"/>
+          </a:xfrm>
+          <a:prstGeom prst="straightConnector1">
+            <a:avLst/>
+          </a:prstGeom>
+          <a:ln w="31750">
+            <a:solidFill>
+              <a:schemeClr val="tx1"/>
+            </a:solidFill>
+            <a:prstDash val="solid"/>
+            <a:tailEnd type="none" w="lg" len="lg"/>
+          </a:ln>
+        </p:spPr>
+        <p:style>
+          <a:lnRef idx="1">
+            <a:schemeClr val="accent1"/>
+          </a:lnRef>
+          <a:fillRef idx="0">
+            <a:schemeClr val="accent1"/>
+          </a:fillRef>
+          <a:effectRef idx="0">
+            <a:schemeClr val="accent1"/>
+          </a:effectRef>
+          <a:fontRef idx="minor">
+            <a:schemeClr val="tx1"/>
+          </a:fontRef>
+        </p:style>
+      </p:cxnSp>
+      <p:sp>
+        <p:nvSpPr>
+          <p:cNvPr id="9" name="Oval 8"/>
+          <p:cNvSpPr/>
+          <p:nvPr/>
+        </p:nvSpPr>
+        <p:spPr>
+          <a:xfrm>
+            <a:off x="2872521" y="3739661"/>
+            <a:ext cx="717452" cy="717452"/>
+          </a:xfrm>
+          <a:prstGeom prst="ellipse">
+            <a:avLst/>
+          </a:prstGeom>
+          <a:noFill/>
+          <a:ln w="25400">
+            <a:solidFill>
+              <a:schemeClr val="tx1"/>
+            </a:solidFill>
+          </a:ln>
+        </p:spPr>
+        <p:style>
+          <a:lnRef idx="2">
+            <a:schemeClr val="accent1">
+              <a:shade val="50000"/>
+            </a:schemeClr>
+          </a:lnRef>
+          <a:fillRef idx="1">
+            <a:schemeClr val="accent1"/>
+          </a:fillRef>
+          <a:effectRef idx="0">
+            <a:schemeClr val="accent1"/>
+          </a:effectRef>
+          <a:fontRef idx="minor">
+            <a:schemeClr val="lt1"/>
+          </a:fontRef>
+        </p:style>
+        <p:txBody>
+          <a:bodyPr rtlCol="0" anchor="ctr"/>
+          <a:lstStyle/>
+          <a:p>
+            <a:pPr algn="ctr"/>
+            <a:r>
+              <a:rPr lang="en-US" sz="4000" dirty="0" smtClean="0">
+                <a:solidFill>
+                  <a:schemeClr val="tx1"/>
+                </a:solidFill>
+              </a:rPr>
+              <a:t>4</a:t>
+            </a:r>
+            <a:endParaRPr lang="en-US" sz="4000" dirty="0">
+              <a:solidFill>
+                <a:schemeClr val="tx1"/>
+              </a:solidFill>
+            </a:endParaRPr>
+          </a:p>
+        </p:txBody>
+      </p:sp>
+      <p:cxnSp>
+        <p:nvCxnSpPr>
+          <p:cNvPr id="10" name="Straight Arrow Connector 9"/>
+          <p:cNvCxnSpPr>
+            <a:stCxn id="4" idx="3"/>
+            <a:endCxn id="9" idx="7"/>
+          </p:cNvCxnSpPr>
+          <p:nvPr/>
+        </p:nvCxnSpPr>
+        <p:spPr>
+          <a:xfrm flipH="1">
+            <a:off x="3484905" y="3050784"/>
+            <a:ext cx="514569" cy="793945"/>
+          </a:xfrm>
+          <a:prstGeom prst="straightConnector1">
+            <a:avLst/>
+          </a:prstGeom>
+          <a:ln w="31750">
+            <a:solidFill>
+              <a:schemeClr val="tx1"/>
+            </a:solidFill>
+            <a:prstDash val="solid"/>
+            <a:tailEnd type="none" w="lg" len="lg"/>
+          </a:ln>
+        </p:spPr>
+        <p:style>
+          <a:lnRef idx="1">
+            <a:schemeClr val="accent1"/>
+          </a:lnRef>
+          <a:fillRef idx="0">
+            <a:schemeClr val="accent1"/>
+          </a:fillRef>
+          <a:effectRef idx="0">
+            <a:schemeClr val="accent1"/>
+          </a:effectRef>
+          <a:fontRef idx="minor">
+            <a:schemeClr val="tx1"/>
+          </a:fontRef>
+        </p:style>
+      </p:cxnSp>
+      <p:sp>
+        <p:nvSpPr>
+          <p:cNvPr id="16" name="Oval 15"/>
+          <p:cNvSpPr/>
+          <p:nvPr/>
+        </p:nvSpPr>
+        <p:spPr>
+          <a:xfrm>
+            <a:off x="4586068" y="4300024"/>
+            <a:ext cx="717452" cy="717452"/>
+          </a:xfrm>
+          <a:prstGeom prst="ellipse">
+            <a:avLst/>
+          </a:prstGeom>
+          <a:noFill/>
+          <a:ln w="25400">
+            <a:solidFill>
+              <a:schemeClr val="tx1"/>
+            </a:solidFill>
+          </a:ln>
+        </p:spPr>
+        <p:style>
+          <a:lnRef idx="2">
+            <a:schemeClr val="accent1">
+              <a:shade val="50000"/>
+            </a:schemeClr>
+          </a:lnRef>
+          <a:fillRef idx="1">
+            <a:schemeClr val="accent1"/>
+          </a:fillRef>
+          <a:effectRef idx="0">
+            <a:schemeClr val="accent1"/>
+          </a:effectRef>
+          <a:fontRef idx="minor">
+            <a:schemeClr val="lt1"/>
+          </a:fontRef>
+        </p:style>
+        <p:txBody>
+          <a:bodyPr rtlCol="0" anchor="ctr"/>
+          <a:lstStyle/>
+          <a:p>
+            <a:pPr algn="ctr"/>
+            <a:r>
+              <a:rPr lang="en-US" sz="4000" dirty="0" smtClean="0">
+                <a:solidFill>
+                  <a:schemeClr val="tx1"/>
+                </a:solidFill>
+              </a:rPr>
+              <a:t>4</a:t>
+            </a:r>
+            <a:endParaRPr lang="en-US" sz="4000" dirty="0">
+              <a:solidFill>
+                <a:schemeClr val="tx1"/>
+              </a:solidFill>
+            </a:endParaRPr>
+          </a:p>
+        </p:txBody>
+      </p:sp>
+      <p:sp>
+        <p:nvSpPr>
+          <p:cNvPr id="17" name="Oval 16"/>
+          <p:cNvSpPr/>
+          <p:nvPr/>
+        </p:nvSpPr>
+        <p:spPr>
+          <a:xfrm>
+            <a:off x="6020972" y="4300024"/>
+            <a:ext cx="717452" cy="717452"/>
+          </a:xfrm>
+          <a:prstGeom prst="ellipse">
+            <a:avLst/>
+          </a:prstGeom>
+          <a:noFill/>
+          <a:ln w="25400">
+            <a:solidFill>
+              <a:schemeClr val="tx1"/>
+            </a:solidFill>
+          </a:ln>
+        </p:spPr>
+        <p:style>
+          <a:lnRef idx="2">
+            <a:schemeClr val="accent1">
+              <a:shade val="50000"/>
+            </a:schemeClr>
+          </a:lnRef>
+          <a:fillRef idx="1">
+            <a:schemeClr val="accent1"/>
+          </a:fillRef>
+          <a:effectRef idx="0">
+            <a:schemeClr val="accent1"/>
+          </a:effectRef>
+          <a:fontRef idx="minor">
+            <a:schemeClr val="lt1"/>
+          </a:fontRef>
+        </p:style>
+        <p:txBody>
+          <a:bodyPr rtlCol="0" anchor="ctr"/>
+          <a:lstStyle/>
+          <a:p>
+            <a:pPr algn="ctr"/>
+            <a:r>
+              <a:rPr lang="en-US" sz="4000" dirty="0" smtClean="0">
+                <a:solidFill>
+                  <a:schemeClr val="tx1"/>
+                </a:solidFill>
+              </a:rPr>
+              <a:t>6</a:t>
+            </a:r>
+            <a:endParaRPr lang="en-US" sz="4000" dirty="0">
+              <a:solidFill>
+                <a:schemeClr val="tx1"/>
+              </a:solidFill>
+            </a:endParaRPr>
+          </a:p>
+        </p:txBody>
+      </p:sp>
+      <p:sp>
+        <p:nvSpPr>
+          <p:cNvPr id="18" name="Oval 17"/>
+          <p:cNvSpPr/>
+          <p:nvPr/>
+        </p:nvSpPr>
+        <p:spPr>
+          <a:xfrm>
+            <a:off x="7734886" y="3739661"/>
+            <a:ext cx="717452" cy="717452"/>
+          </a:xfrm>
+          <a:prstGeom prst="ellipse">
+            <a:avLst/>
+          </a:prstGeom>
+          <a:noFill/>
+          <a:ln w="25400">
+            <a:solidFill>
+              <a:schemeClr val="tx1"/>
+            </a:solidFill>
+          </a:ln>
+        </p:spPr>
+        <p:style>
+          <a:lnRef idx="2">
+            <a:schemeClr val="accent1">
+              <a:shade val="50000"/>
+            </a:schemeClr>
+          </a:lnRef>
+          <a:fillRef idx="1">
+            <a:schemeClr val="accent1"/>
+          </a:fillRef>
+          <a:effectRef idx="0">
+            <a:schemeClr val="accent1"/>
+          </a:effectRef>
+          <a:fontRef idx="minor">
+            <a:schemeClr val="lt1"/>
+          </a:fontRef>
+        </p:style>
+        <p:txBody>
+          <a:bodyPr rtlCol="0" anchor="ctr"/>
+          <a:lstStyle/>
+          <a:p>
+            <a:pPr algn="ctr"/>
+            <a:r>
+              <a:rPr lang="en-US" sz="4000" dirty="0" smtClean="0">
+                <a:solidFill>
+                  <a:schemeClr val="tx1"/>
+                </a:solidFill>
+              </a:rPr>
+              <a:t>6</a:t>
+            </a:r>
+            <a:endParaRPr lang="en-US" sz="4000" dirty="0">
+              <a:solidFill>
+                <a:schemeClr val="tx1"/>
+              </a:solidFill>
+            </a:endParaRPr>
+          </a:p>
+        </p:txBody>
+      </p:sp>
+      <p:cxnSp>
+        <p:nvCxnSpPr>
+          <p:cNvPr id="20" name="Straight Arrow Connector 19"/>
+          <p:cNvCxnSpPr>
+            <a:stCxn id="5" idx="5"/>
+            <a:endCxn id="18" idx="1"/>
+          </p:cNvCxnSpPr>
+          <p:nvPr/>
+        </p:nvCxnSpPr>
+        <p:spPr>
+          <a:xfrm>
+            <a:off x="7325018" y="3050784"/>
+            <a:ext cx="514936" cy="793945"/>
+          </a:xfrm>
+          <a:prstGeom prst="straightConnector1">
+            <a:avLst/>
+          </a:prstGeom>
+          <a:ln w="31750">
+            <a:solidFill>
+              <a:schemeClr val="tx1"/>
+            </a:solidFill>
+            <a:prstDash val="solid"/>
+            <a:tailEnd type="none" w="lg" len="lg"/>
+          </a:ln>
+        </p:spPr>
+        <p:style>
+          <a:lnRef idx="1">
+            <a:schemeClr val="accent1"/>
+          </a:lnRef>
+          <a:fillRef idx="0">
+            <a:schemeClr val="accent1"/>
+          </a:fillRef>
+          <a:effectRef idx="0">
+            <a:schemeClr val="accent1"/>
+          </a:effectRef>
+          <a:fontRef idx="minor">
+            <a:schemeClr val="tx1"/>
+          </a:fontRef>
+        </p:style>
+      </p:cxnSp>
+      <p:cxnSp>
+        <p:nvCxnSpPr>
+          <p:cNvPr id="24" name="Straight Arrow Connector 23"/>
+          <p:cNvCxnSpPr>
+            <a:stCxn id="3" idx="3"/>
+            <a:endCxn id="16" idx="0"/>
+          </p:cNvCxnSpPr>
+          <p:nvPr/>
+        </p:nvCxnSpPr>
+        <p:spPr>
+          <a:xfrm flipH="1">
+            <a:off x="4944794" y="3634593"/>
+            <a:ext cx="463794" cy="665431"/>
+          </a:xfrm>
+          <a:prstGeom prst="straightConnector1">
+            <a:avLst/>
+          </a:prstGeom>
+          <a:ln w="31750">
+            <a:solidFill>
+              <a:schemeClr val="tx1"/>
+            </a:solidFill>
+            <a:prstDash val="solid"/>
+            <a:tailEnd type="none" w="lg" len="lg"/>
+          </a:ln>
+        </p:spPr>
+        <p:style>
+          <a:lnRef idx="1">
+            <a:schemeClr val="accent1"/>
+          </a:lnRef>
+          <a:fillRef idx="0">
+            <a:schemeClr val="accent1"/>
+          </a:fillRef>
+          <a:effectRef idx="0">
+            <a:schemeClr val="accent1"/>
+          </a:effectRef>
+          <a:fontRef idx="minor">
+            <a:schemeClr val="tx1"/>
+          </a:fontRef>
+        </p:style>
+      </p:cxnSp>
+      <p:cxnSp>
+        <p:nvCxnSpPr>
+          <p:cNvPr id="30" name="Straight Arrow Connector 29"/>
+          <p:cNvCxnSpPr>
+            <a:stCxn id="3" idx="5"/>
+            <a:endCxn id="17" idx="0"/>
+          </p:cNvCxnSpPr>
+          <p:nvPr/>
+        </p:nvCxnSpPr>
+        <p:spPr>
+          <a:xfrm>
+            <a:off x="5915904" y="3634593"/>
+            <a:ext cx="463794" cy="665431"/>
+          </a:xfrm>
+          <a:prstGeom prst="straightConnector1">
+            <a:avLst/>
+          </a:prstGeom>
+          <a:ln w="31750">
+            <a:solidFill>
+              <a:schemeClr val="tx1"/>
+            </a:solidFill>
+            <a:prstDash val="solid"/>
+            <a:tailEnd type="none" w="lg" len="lg"/>
+          </a:ln>
+        </p:spPr>
+        <p:style>
+          <a:lnRef idx="1">
+            <a:schemeClr val="accent1"/>
+          </a:lnRef>
+          <a:fillRef idx="0">
+            <a:schemeClr val="accent1"/>
+          </a:fillRef>
+          <a:effectRef idx="0">
+            <a:schemeClr val="accent1"/>
+          </a:effectRef>
+          <a:fontRef idx="minor">
+            <a:schemeClr val="tx1"/>
+          </a:fontRef>
+        </p:style>
+      </p:cxnSp>
+    </p:spTree>
+    <p:extLst>
+      <p:ext uri="{BB962C8B-B14F-4D97-AF65-F5344CB8AC3E}">
+        <p14:creationId xmlns:p14="http://schemas.microsoft.com/office/powerpoint/2010/main" val="713849625"/>
+      </p:ext>
+    </p:extLst>
+  </p:cSld>
+  <p:clrMapOvr>
+    <a:masterClrMapping/>
+  </p:clrMapOvr>
+</p:sld>
+</file>
+
+<file path=ppt/slides/slide4.xml><?xml version="1.0" encoding="utf-8"?>
+<p:sld xmlns:a="http://schemas.openxmlformats.org/drawingml/2006/main" xmlns:r="http://schemas.openxmlformats.org/officeDocument/2006/relationships" xmlns:p="http://schemas.openxmlformats.org/presentationml/2006/main">
+  <p:cSld>
+    <p:spTree>
+      <p:nvGrpSpPr>
+        <p:cNvPr id="1" name=""/>
+        <p:cNvGrpSpPr/>
+        <p:nvPr/>
+      </p:nvGrpSpPr>
+      <p:grpSpPr>
+        <a:xfrm>
+          <a:off x="0" y="0"/>
+          <a:ext cx="0" cy="0"/>
+          <a:chOff x="0" y="0"/>
+          <a:chExt cx="0" cy="0"/>
+        </a:xfrm>
+      </p:grpSpPr>
+      <p:sp>
+        <p:nvSpPr>
+          <p:cNvPr id="2" name="Oval 1"/>
+          <p:cNvSpPr/>
+          <p:nvPr/>
+        </p:nvSpPr>
+        <p:spPr>
+          <a:xfrm>
+            <a:off x="5430129" y="773723"/>
+            <a:ext cx="717452" cy="717452"/>
+          </a:xfrm>
+          <a:prstGeom prst="ellipse">
+            <a:avLst/>
+          </a:prstGeom>
+          <a:noFill/>
+          <a:ln w="25400">
+            <a:solidFill>
+              <a:schemeClr val="tx1"/>
+            </a:solidFill>
+          </a:ln>
+        </p:spPr>
+        <p:style>
+          <a:lnRef idx="2">
+            <a:schemeClr val="accent1">
+              <a:shade val="50000"/>
+            </a:schemeClr>
+          </a:lnRef>
+          <a:fillRef idx="1">
+            <a:schemeClr val="accent1"/>
+          </a:fillRef>
+          <a:effectRef idx="0">
+            <a:schemeClr val="accent1"/>
+          </a:effectRef>
+          <a:fontRef idx="minor">
+            <a:schemeClr val="lt1"/>
+          </a:fontRef>
+        </p:style>
+        <p:txBody>
+          <a:bodyPr rtlCol="0" anchor="ctr"/>
+          <a:lstStyle/>
+          <a:p>
+            <a:pPr algn="ctr"/>
+            <a:r>
+              <a:rPr lang="en-US" sz="4000" dirty="0" smtClean="0">
+                <a:solidFill>
+                  <a:schemeClr val="tx1"/>
+                </a:solidFill>
+              </a:rPr>
+              <a:t>2</a:t>
+            </a:r>
+            <a:endParaRPr lang="en-US" sz="4000" dirty="0">
+              <a:solidFill>
+                <a:schemeClr val="tx1"/>
+              </a:solidFill>
+            </a:endParaRPr>
+          </a:p>
+        </p:txBody>
+      </p:sp>
+      <p:sp>
+        <p:nvSpPr>
+          <p:cNvPr id="3" name="Oval 2"/>
+          <p:cNvSpPr/>
+          <p:nvPr/>
+        </p:nvSpPr>
+        <p:spPr>
+          <a:xfrm>
+            <a:off x="5430129" y="2375095"/>
+            <a:ext cx="717452" cy="717452"/>
+          </a:xfrm>
+          <a:prstGeom prst="ellipse">
+            <a:avLst/>
+          </a:prstGeom>
+          <a:noFill/>
+          <a:ln w="25400">
+            <a:solidFill>
+              <a:schemeClr val="tx1"/>
+            </a:solidFill>
+          </a:ln>
+        </p:spPr>
+        <p:style>
+          <a:lnRef idx="2">
+            <a:schemeClr val="accent1">
+              <a:shade val="50000"/>
+            </a:schemeClr>
+          </a:lnRef>
+          <a:fillRef idx="1">
+            <a:schemeClr val="accent1"/>
+          </a:fillRef>
+          <a:effectRef idx="0">
+            <a:schemeClr val="accent1"/>
+          </a:effectRef>
+          <a:fontRef idx="minor">
+            <a:schemeClr val="lt1"/>
+          </a:fontRef>
+        </p:style>
+        <p:txBody>
+          <a:bodyPr rtlCol="0" anchor="ctr"/>
+          <a:lstStyle/>
+          <a:p>
+            <a:pPr algn="ctr"/>
+            <a:r>
+              <a:rPr lang="en-US" sz="4000" dirty="0" smtClean="0">
+                <a:solidFill>
+                  <a:schemeClr val="tx1"/>
+                </a:solidFill>
+              </a:rPr>
+              <a:t>5</a:t>
+            </a:r>
+            <a:endParaRPr lang="en-US" sz="4000" dirty="0">
+              <a:solidFill>
+                <a:schemeClr val="tx1"/>
+              </a:solidFill>
+            </a:endParaRPr>
+          </a:p>
+        </p:txBody>
+      </p:sp>
+      <p:sp>
+        <p:nvSpPr>
+          <p:cNvPr id="4" name="Oval 3"/>
+          <p:cNvSpPr/>
+          <p:nvPr/>
+        </p:nvSpPr>
+        <p:spPr>
+          <a:xfrm>
+            <a:off x="4021015" y="1791286"/>
+            <a:ext cx="717452" cy="717452"/>
+          </a:xfrm>
+          <a:prstGeom prst="ellipse">
+            <a:avLst/>
+          </a:prstGeom>
+          <a:noFill/>
+          <a:ln w="25400">
+            <a:solidFill>
+              <a:schemeClr val="tx1"/>
+            </a:solidFill>
+          </a:ln>
+        </p:spPr>
+        <p:style>
+          <a:lnRef idx="2">
+            <a:schemeClr val="accent1">
+              <a:shade val="50000"/>
+            </a:schemeClr>
+          </a:lnRef>
+          <a:fillRef idx="1">
+            <a:schemeClr val="accent1"/>
+          </a:fillRef>
+          <a:effectRef idx="0">
+            <a:schemeClr val="accent1"/>
+          </a:effectRef>
+          <a:fontRef idx="minor">
+            <a:schemeClr val="lt1"/>
+          </a:fontRef>
+        </p:style>
+        <p:txBody>
+          <a:bodyPr rtlCol="0" anchor="ctr"/>
+          <a:lstStyle/>
+          <a:p>
+            <a:pPr algn="ctr"/>
+            <a:r>
+              <a:rPr lang="en-US" sz="4000" dirty="0" smtClean="0">
+                <a:solidFill>
+                  <a:schemeClr val="tx1"/>
+                </a:solidFill>
+              </a:rPr>
+              <a:t>1</a:t>
+            </a:r>
+            <a:endParaRPr lang="en-US" sz="4000" dirty="0">
+              <a:solidFill>
+                <a:schemeClr val="tx1"/>
+              </a:solidFill>
+            </a:endParaRPr>
+          </a:p>
+        </p:txBody>
+      </p:sp>
+      <p:sp>
+        <p:nvSpPr>
+          <p:cNvPr id="5" name="Oval 4"/>
+          <p:cNvSpPr/>
+          <p:nvPr/>
+        </p:nvSpPr>
+        <p:spPr>
+          <a:xfrm>
+            <a:off x="6839243" y="1791286"/>
+            <a:ext cx="717452" cy="717452"/>
+          </a:xfrm>
+          <a:prstGeom prst="ellipse">
+            <a:avLst/>
+          </a:prstGeom>
+          <a:noFill/>
+          <a:ln w="25400">
+            <a:solidFill>
+              <a:schemeClr val="tx1"/>
+            </a:solidFill>
+          </a:ln>
+        </p:spPr>
+        <p:style>
+          <a:lnRef idx="2">
+            <a:schemeClr val="accent1">
+              <a:shade val="50000"/>
+            </a:schemeClr>
+          </a:lnRef>
+          <a:fillRef idx="1">
+            <a:schemeClr val="accent1"/>
+          </a:fillRef>
+          <a:effectRef idx="0">
+            <a:schemeClr val="accent1"/>
+          </a:effectRef>
+          <a:fontRef idx="minor">
+            <a:schemeClr val="lt1"/>
+          </a:fontRef>
+        </p:style>
+        <p:txBody>
+          <a:bodyPr rtlCol="0" anchor="ctr"/>
+          <a:lstStyle/>
+          <a:p>
+            <a:pPr algn="ctr"/>
+            <a:r>
+              <a:rPr lang="en-US" sz="4000" smtClean="0">
+                <a:solidFill>
+                  <a:schemeClr val="tx1"/>
+                </a:solidFill>
+              </a:rPr>
+              <a:t>3</a:t>
+            </a:r>
+            <a:endParaRPr lang="en-US" sz="4000" dirty="0">
+              <a:solidFill>
+                <a:schemeClr val="tx1"/>
+              </a:solidFill>
+            </a:endParaRPr>
+          </a:p>
+        </p:txBody>
+      </p:sp>
+      <p:cxnSp>
+        <p:nvCxnSpPr>
+          <p:cNvPr id="6" name="Straight Arrow Connector 5"/>
+          <p:cNvCxnSpPr>
+            <a:stCxn id="2" idx="3"/>
+            <a:endCxn id="4" idx="7"/>
+          </p:cNvCxnSpPr>
+          <p:nvPr/>
+        </p:nvCxnSpPr>
+        <p:spPr>
+          <a:xfrm flipH="1">
+            <a:off x="4633399" y="1386107"/>
+            <a:ext cx="901798" cy="510247"/>
+          </a:xfrm>
+          <a:prstGeom prst="straightConnector1">
+            <a:avLst/>
+          </a:prstGeom>
+          <a:ln w="31750">
+            <a:solidFill>
+              <a:schemeClr val="tx1"/>
+            </a:solidFill>
+            <a:prstDash val="solid"/>
+            <a:tailEnd type="none" w="lg" len="lg"/>
+          </a:ln>
+        </p:spPr>
+        <p:style>
+          <a:lnRef idx="1">
+            <a:schemeClr val="accent1"/>
+          </a:lnRef>
+          <a:fillRef idx="0">
+            <a:schemeClr val="accent1"/>
+          </a:fillRef>
+          <a:effectRef idx="0">
+            <a:schemeClr val="accent1"/>
+          </a:effectRef>
+          <a:fontRef idx="minor">
+            <a:schemeClr val="tx1"/>
+          </a:fontRef>
+        </p:style>
+      </p:cxnSp>
+      <p:cxnSp>
+        <p:nvCxnSpPr>
+          <p:cNvPr id="11" name="Straight Arrow Connector 10"/>
+          <p:cNvCxnSpPr>
+            <a:stCxn id="2" idx="4"/>
+            <a:endCxn id="3" idx="0"/>
+          </p:cNvCxnSpPr>
+          <p:nvPr/>
+        </p:nvCxnSpPr>
+        <p:spPr>
+          <a:xfrm>
+            <a:off x="5788855" y="1491175"/>
+            <a:ext cx="0" cy="883920"/>
+          </a:xfrm>
+          <a:prstGeom prst="straightConnector1">
+            <a:avLst/>
+          </a:prstGeom>
+          <a:ln w="31750">
+            <a:solidFill>
+              <a:schemeClr val="tx1"/>
+            </a:solidFill>
+            <a:prstDash val="solid"/>
+            <a:tailEnd type="none" w="lg" len="lg"/>
+          </a:ln>
+        </p:spPr>
+        <p:style>
+          <a:lnRef idx="1">
+            <a:schemeClr val="accent1"/>
+          </a:lnRef>
+          <a:fillRef idx="0">
+            <a:schemeClr val="accent1"/>
+          </a:fillRef>
+          <a:effectRef idx="0">
+            <a:schemeClr val="accent1"/>
+          </a:effectRef>
+          <a:fontRef idx="minor">
+            <a:schemeClr val="tx1"/>
+          </a:fontRef>
+        </p:style>
+      </p:cxnSp>
+      <p:cxnSp>
+        <p:nvCxnSpPr>
+          <p:cNvPr id="14" name="Straight Arrow Connector 13"/>
+          <p:cNvCxnSpPr>
+            <a:stCxn id="2" idx="5"/>
+            <a:endCxn id="5" idx="1"/>
+          </p:cNvCxnSpPr>
+          <p:nvPr/>
+        </p:nvCxnSpPr>
+        <p:spPr>
+          <a:xfrm>
+            <a:off x="6042513" y="1386107"/>
+            <a:ext cx="901798" cy="510247"/>
+          </a:xfrm>
+          <a:prstGeom prst="straightConnector1">
+            <a:avLst/>
+          </a:prstGeom>
+          <a:ln w="31750">
+            <a:solidFill>
+              <a:schemeClr val="tx1"/>
+            </a:solidFill>
+            <a:prstDash val="solid"/>
+            <a:tailEnd type="none" w="lg" len="lg"/>
+          </a:ln>
+        </p:spPr>
+        <p:style>
+          <a:lnRef idx="1">
+            <a:schemeClr val="accent1"/>
+          </a:lnRef>
+          <a:fillRef idx="0">
+            <a:schemeClr val="accent1"/>
+          </a:fillRef>
+          <a:effectRef idx="0">
+            <a:schemeClr val="accent1"/>
+          </a:effectRef>
+          <a:fontRef idx="minor">
+            <a:schemeClr val="tx1"/>
+          </a:fontRef>
+        </p:style>
+      </p:cxnSp>
+      <p:sp>
+        <p:nvSpPr>
+          <p:cNvPr id="9" name="Oval 8"/>
+          <p:cNvSpPr/>
+          <p:nvPr/>
+        </p:nvSpPr>
+        <p:spPr>
+          <a:xfrm>
+            <a:off x="2999130" y="3092547"/>
+            <a:ext cx="717452" cy="717452"/>
+          </a:xfrm>
+          <a:prstGeom prst="ellipse">
+            <a:avLst/>
+          </a:prstGeom>
+          <a:noFill/>
+          <a:ln w="25400">
+            <a:solidFill>
+              <a:schemeClr val="tx1"/>
+            </a:solidFill>
+          </a:ln>
+        </p:spPr>
+        <p:style>
+          <a:lnRef idx="2">
+            <a:schemeClr val="accent1">
+              <a:shade val="50000"/>
+            </a:schemeClr>
+          </a:lnRef>
+          <a:fillRef idx="1">
+            <a:schemeClr val="accent1"/>
+          </a:fillRef>
+          <a:effectRef idx="0">
+            <a:schemeClr val="accent1"/>
+          </a:effectRef>
+          <a:fontRef idx="minor">
+            <a:schemeClr val="lt1"/>
+          </a:fontRef>
+        </p:style>
+        <p:txBody>
+          <a:bodyPr rtlCol="0" anchor="ctr"/>
+          <a:lstStyle/>
+          <a:p>
+            <a:pPr algn="ctr"/>
+            <a:r>
+              <a:rPr lang="en-US" sz="4000" dirty="0" smtClean="0">
+                <a:solidFill>
+                  <a:schemeClr val="tx1"/>
+                </a:solidFill>
+              </a:rPr>
+              <a:t>4</a:t>
+            </a:r>
+            <a:endParaRPr lang="en-US" sz="4000" dirty="0">
+              <a:solidFill>
+                <a:schemeClr val="tx1"/>
+              </a:solidFill>
+            </a:endParaRPr>
+          </a:p>
+        </p:txBody>
+      </p:sp>
+      <p:cxnSp>
+        <p:nvCxnSpPr>
+          <p:cNvPr id="10" name="Straight Arrow Connector 9"/>
+          <p:cNvCxnSpPr>
+            <a:stCxn id="4" idx="3"/>
+            <a:endCxn id="9" idx="7"/>
+          </p:cNvCxnSpPr>
+          <p:nvPr/>
+        </p:nvCxnSpPr>
+        <p:spPr>
+          <a:xfrm flipH="1">
+            <a:off x="3611514" y="2403670"/>
+            <a:ext cx="514569" cy="793945"/>
+          </a:xfrm>
+          <a:prstGeom prst="straightConnector1">
+            <a:avLst/>
+          </a:prstGeom>
+          <a:ln w="31750">
+            <a:solidFill>
+              <a:schemeClr val="tx1"/>
+            </a:solidFill>
+            <a:prstDash val="solid"/>
+            <a:tailEnd type="none" w="lg" len="lg"/>
+          </a:ln>
+        </p:spPr>
+        <p:style>
+          <a:lnRef idx="1">
+            <a:schemeClr val="accent1"/>
+          </a:lnRef>
+          <a:fillRef idx="0">
+            <a:schemeClr val="accent1"/>
+          </a:fillRef>
+          <a:effectRef idx="0">
+            <a:schemeClr val="accent1"/>
+          </a:effectRef>
+          <a:fontRef idx="minor">
+            <a:schemeClr val="tx1"/>
+          </a:fontRef>
+        </p:style>
+      </p:cxnSp>
+      <p:sp>
+        <p:nvSpPr>
+          <p:cNvPr id="16" name="Oval 15"/>
+          <p:cNvSpPr/>
+          <p:nvPr/>
+        </p:nvSpPr>
+        <p:spPr>
+          <a:xfrm>
+            <a:off x="4712677" y="3652910"/>
+            <a:ext cx="717452" cy="717452"/>
+          </a:xfrm>
+          <a:prstGeom prst="ellipse">
+            <a:avLst/>
+          </a:prstGeom>
+          <a:noFill/>
+          <a:ln w="25400">
+            <a:solidFill>
+              <a:schemeClr val="tx1"/>
+            </a:solidFill>
+          </a:ln>
+        </p:spPr>
+        <p:style>
+          <a:lnRef idx="2">
+            <a:schemeClr val="accent1">
+              <a:shade val="50000"/>
+            </a:schemeClr>
+          </a:lnRef>
+          <a:fillRef idx="1">
+            <a:schemeClr val="accent1"/>
+          </a:fillRef>
+          <a:effectRef idx="0">
+            <a:schemeClr val="accent1"/>
+          </a:effectRef>
+          <a:fontRef idx="minor">
+            <a:schemeClr val="lt1"/>
+          </a:fontRef>
+        </p:style>
+        <p:txBody>
+          <a:bodyPr rtlCol="0" anchor="ctr"/>
+          <a:lstStyle/>
+          <a:p>
+            <a:pPr algn="ctr"/>
+            <a:r>
+              <a:rPr lang="en-US" sz="4000" smtClean="0">
+                <a:solidFill>
+                  <a:schemeClr val="tx1"/>
+                </a:solidFill>
+              </a:rPr>
+              <a:t>4</a:t>
+            </a:r>
+            <a:endParaRPr lang="en-US" sz="4000" dirty="0">
+              <a:solidFill>
+                <a:schemeClr val="tx1"/>
+              </a:solidFill>
+            </a:endParaRPr>
+          </a:p>
+        </p:txBody>
+      </p:sp>
+      <p:sp>
+        <p:nvSpPr>
+          <p:cNvPr id="17" name="Oval 16"/>
+          <p:cNvSpPr/>
+          <p:nvPr/>
+        </p:nvSpPr>
+        <p:spPr>
+          <a:xfrm>
+            <a:off x="6147581" y="3652910"/>
+            <a:ext cx="717452" cy="717452"/>
+          </a:xfrm>
+          <a:prstGeom prst="ellipse">
+            <a:avLst/>
+          </a:prstGeom>
+          <a:noFill/>
+          <a:ln w="25400">
+            <a:solidFill>
+              <a:schemeClr val="tx1"/>
+            </a:solidFill>
+          </a:ln>
+        </p:spPr>
+        <p:style>
+          <a:lnRef idx="2">
+            <a:schemeClr val="accent1">
+              <a:shade val="50000"/>
+            </a:schemeClr>
+          </a:lnRef>
+          <a:fillRef idx="1">
+            <a:schemeClr val="accent1"/>
+          </a:fillRef>
+          <a:effectRef idx="0">
+            <a:schemeClr val="accent1"/>
+          </a:effectRef>
+          <a:fontRef idx="minor">
+            <a:schemeClr val="lt1"/>
+          </a:fontRef>
+        </p:style>
+        <p:txBody>
+          <a:bodyPr rtlCol="0" anchor="ctr"/>
+          <a:lstStyle/>
+          <a:p>
+            <a:pPr algn="ctr"/>
+            <a:r>
+              <a:rPr lang="en-US" sz="4000" dirty="0" smtClean="0">
+                <a:solidFill>
+                  <a:schemeClr val="tx1"/>
+                </a:solidFill>
+              </a:rPr>
+              <a:t>6</a:t>
+            </a:r>
+            <a:endParaRPr lang="en-US" sz="4000" dirty="0">
+              <a:solidFill>
+                <a:schemeClr val="tx1"/>
+              </a:solidFill>
+            </a:endParaRPr>
+          </a:p>
+        </p:txBody>
+      </p:sp>
+      <p:sp>
+        <p:nvSpPr>
+          <p:cNvPr id="18" name="Oval 17"/>
+          <p:cNvSpPr/>
+          <p:nvPr/>
+        </p:nvSpPr>
+        <p:spPr>
+          <a:xfrm>
+            <a:off x="7861495" y="3092547"/>
+            <a:ext cx="717452" cy="717452"/>
+          </a:xfrm>
+          <a:prstGeom prst="ellipse">
+            <a:avLst/>
+          </a:prstGeom>
+          <a:noFill/>
+          <a:ln w="25400">
+            <a:solidFill>
+              <a:schemeClr val="tx1"/>
+            </a:solidFill>
+          </a:ln>
+        </p:spPr>
+        <p:style>
+          <a:lnRef idx="2">
+            <a:schemeClr val="accent1">
+              <a:shade val="50000"/>
+            </a:schemeClr>
+          </a:lnRef>
+          <a:fillRef idx="1">
+            <a:schemeClr val="accent1"/>
+          </a:fillRef>
+          <a:effectRef idx="0">
+            <a:schemeClr val="accent1"/>
+          </a:effectRef>
+          <a:fontRef idx="minor">
+            <a:schemeClr val="lt1"/>
+          </a:fontRef>
+        </p:style>
+        <p:txBody>
+          <a:bodyPr rtlCol="0" anchor="ctr"/>
+          <a:lstStyle/>
+          <a:p>
+            <a:pPr algn="ctr"/>
+            <a:r>
+              <a:rPr lang="en-US" sz="4000" dirty="0" smtClean="0">
+                <a:solidFill>
+                  <a:schemeClr val="tx1"/>
+                </a:solidFill>
+              </a:rPr>
+              <a:t>6</a:t>
+            </a:r>
+            <a:endParaRPr lang="en-US" sz="4000" dirty="0">
+              <a:solidFill>
+                <a:schemeClr val="tx1"/>
+              </a:solidFill>
+            </a:endParaRPr>
+          </a:p>
+        </p:txBody>
+      </p:sp>
+      <p:cxnSp>
+        <p:nvCxnSpPr>
+          <p:cNvPr id="20" name="Straight Arrow Connector 19"/>
+          <p:cNvCxnSpPr>
+            <a:stCxn id="5" idx="5"/>
+            <a:endCxn id="18" idx="1"/>
+          </p:cNvCxnSpPr>
+          <p:nvPr/>
+        </p:nvCxnSpPr>
+        <p:spPr>
+          <a:xfrm>
+            <a:off x="7451627" y="2403670"/>
+            <a:ext cx="514936" cy="793945"/>
+          </a:xfrm>
+          <a:prstGeom prst="straightConnector1">
+            <a:avLst/>
+          </a:prstGeom>
+          <a:ln w="31750">
+            <a:solidFill>
+              <a:schemeClr val="tx1"/>
+            </a:solidFill>
+            <a:prstDash val="solid"/>
+            <a:tailEnd type="none" w="lg" len="lg"/>
+          </a:ln>
+        </p:spPr>
+        <p:style>
+          <a:lnRef idx="1">
+            <a:schemeClr val="accent1"/>
+          </a:lnRef>
+          <a:fillRef idx="0">
+            <a:schemeClr val="accent1"/>
+          </a:fillRef>
+          <a:effectRef idx="0">
+            <a:schemeClr val="accent1"/>
+          </a:effectRef>
+          <a:fontRef idx="minor">
+            <a:schemeClr val="tx1"/>
+          </a:fontRef>
+        </p:style>
+      </p:cxnSp>
+      <p:cxnSp>
+        <p:nvCxnSpPr>
+          <p:cNvPr id="24" name="Straight Arrow Connector 23"/>
+          <p:cNvCxnSpPr>
+            <a:stCxn id="3" idx="3"/>
+            <a:endCxn id="16" idx="0"/>
+          </p:cNvCxnSpPr>
+          <p:nvPr/>
+        </p:nvCxnSpPr>
+        <p:spPr>
+          <a:xfrm flipH="1">
+            <a:off x="5071403" y="2987479"/>
+            <a:ext cx="463794" cy="665431"/>
+          </a:xfrm>
+          <a:prstGeom prst="straightConnector1">
+            <a:avLst/>
+          </a:prstGeom>
+          <a:ln w="31750">
+            <a:solidFill>
+              <a:schemeClr val="tx1"/>
+            </a:solidFill>
+            <a:prstDash val="solid"/>
+            <a:tailEnd type="none" w="lg" len="lg"/>
+          </a:ln>
+        </p:spPr>
+        <p:style>
+          <a:lnRef idx="1">
+            <a:schemeClr val="accent1"/>
+          </a:lnRef>
+          <a:fillRef idx="0">
+            <a:schemeClr val="accent1"/>
+          </a:fillRef>
+          <a:effectRef idx="0">
+            <a:schemeClr val="accent1"/>
+          </a:effectRef>
+          <a:fontRef idx="minor">
+            <a:schemeClr val="tx1"/>
+          </a:fontRef>
+        </p:style>
+      </p:cxnSp>
+      <p:cxnSp>
+        <p:nvCxnSpPr>
+          <p:cNvPr id="30" name="Straight Arrow Connector 29"/>
+          <p:cNvCxnSpPr>
+            <a:stCxn id="3" idx="5"/>
+            <a:endCxn id="17" idx="0"/>
+          </p:cNvCxnSpPr>
+          <p:nvPr/>
+        </p:nvCxnSpPr>
+        <p:spPr>
+          <a:xfrm>
+            <a:off x="6042513" y="2987479"/>
+            <a:ext cx="463794" cy="665431"/>
+          </a:xfrm>
+          <a:prstGeom prst="straightConnector1">
+            <a:avLst/>
+          </a:prstGeom>
+          <a:ln w="31750">
+            <a:solidFill>
+              <a:schemeClr val="tx1"/>
+            </a:solidFill>
+            <a:prstDash val="solid"/>
+            <a:tailEnd type="none" w="lg" len="lg"/>
+          </a:ln>
+        </p:spPr>
+        <p:style>
+          <a:lnRef idx="1">
+            <a:schemeClr val="accent1"/>
+          </a:lnRef>
+          <a:fillRef idx="0">
+            <a:schemeClr val="accent1"/>
+          </a:fillRef>
+          <a:effectRef idx="0">
+            <a:schemeClr val="accent1"/>
+          </a:effectRef>
+          <a:fontRef idx="minor">
+            <a:schemeClr val="tx1"/>
+          </a:fontRef>
+        </p:style>
+      </p:cxnSp>
+      <p:sp>
+        <p:nvSpPr>
+          <p:cNvPr id="19" name="Oval 18"/>
+          <p:cNvSpPr/>
+          <p:nvPr/>
+        </p:nvSpPr>
+        <p:spPr>
+          <a:xfrm>
+            <a:off x="2999130" y="4540638"/>
+            <a:ext cx="717452" cy="717452"/>
+          </a:xfrm>
+          <a:prstGeom prst="ellipse">
+            <a:avLst/>
+          </a:prstGeom>
+          <a:noFill/>
+          <a:ln w="25400">
+            <a:solidFill>
+              <a:schemeClr val="tx1"/>
+            </a:solidFill>
+          </a:ln>
+        </p:spPr>
+        <p:style>
+          <a:lnRef idx="2">
+            <a:schemeClr val="accent1">
+              <a:shade val="50000"/>
+            </a:schemeClr>
+          </a:lnRef>
+          <a:fillRef idx="1">
+            <a:schemeClr val="accent1"/>
+          </a:fillRef>
+          <a:effectRef idx="0">
+            <a:schemeClr val="accent1"/>
+          </a:effectRef>
+          <a:fontRef idx="minor">
+            <a:schemeClr val="lt1"/>
+          </a:fontRef>
+        </p:style>
+        <p:txBody>
+          <a:bodyPr rtlCol="0" anchor="ctr"/>
+          <a:lstStyle/>
+          <a:p>
+            <a:pPr algn="ctr"/>
+            <a:r>
+              <a:rPr lang="en-US" sz="4000" dirty="0" smtClean="0">
+                <a:solidFill>
+                  <a:schemeClr val="tx1"/>
+                </a:solidFill>
+              </a:rPr>
+              <a:t>5</a:t>
+            </a:r>
+            <a:endParaRPr lang="en-US" sz="4000" dirty="0">
+              <a:solidFill>
+                <a:schemeClr val="tx1"/>
+              </a:solidFill>
+            </a:endParaRPr>
+          </a:p>
+        </p:txBody>
+      </p:sp>
+      <p:cxnSp>
+        <p:nvCxnSpPr>
+          <p:cNvPr id="21" name="Straight Arrow Connector 20"/>
+          <p:cNvCxnSpPr>
+            <a:stCxn id="9" idx="4"/>
+            <a:endCxn id="19" idx="0"/>
+          </p:cNvCxnSpPr>
+          <p:nvPr/>
+        </p:nvCxnSpPr>
+        <p:spPr>
+          <a:xfrm>
+            <a:off x="3357856" y="3809999"/>
+            <a:ext cx="0" cy="730639"/>
+          </a:xfrm>
+          <a:prstGeom prst="straightConnector1">
+            <a:avLst/>
+          </a:prstGeom>
+          <a:ln w="31750">
+            <a:solidFill>
+              <a:schemeClr val="tx1"/>
+            </a:solidFill>
+            <a:prstDash val="solid"/>
+            <a:tailEnd type="none" w="lg" len="lg"/>
+          </a:ln>
+        </p:spPr>
+        <p:style>
+          <a:lnRef idx="1">
+            <a:schemeClr val="accent1"/>
+          </a:lnRef>
+          <a:fillRef idx="0">
+            <a:schemeClr val="accent1"/>
+          </a:fillRef>
+          <a:effectRef idx="0">
+            <a:schemeClr val="accent1"/>
+          </a:effectRef>
+          <a:fontRef idx="minor">
+            <a:schemeClr val="tx1"/>
+          </a:fontRef>
+        </p:style>
+      </p:cxnSp>
+      <p:sp>
+        <p:nvSpPr>
+          <p:cNvPr id="25" name="Oval 24"/>
+          <p:cNvSpPr/>
+          <p:nvPr/>
+        </p:nvSpPr>
+        <p:spPr>
+          <a:xfrm>
+            <a:off x="4712677" y="5035793"/>
+            <a:ext cx="717452" cy="717452"/>
+          </a:xfrm>
+          <a:prstGeom prst="ellipse">
+            <a:avLst/>
+          </a:prstGeom>
+          <a:noFill/>
+          <a:ln w="25400">
+            <a:solidFill>
+              <a:schemeClr val="tx1"/>
+            </a:solidFill>
+          </a:ln>
+        </p:spPr>
+        <p:style>
+          <a:lnRef idx="2">
+            <a:schemeClr val="accent1">
+              <a:shade val="50000"/>
+            </a:schemeClr>
+          </a:lnRef>
+          <a:fillRef idx="1">
+            <a:schemeClr val="accent1"/>
+          </a:fillRef>
+          <a:effectRef idx="0">
+            <a:schemeClr val="accent1"/>
+          </a:effectRef>
+          <a:fontRef idx="minor">
+            <a:schemeClr val="lt1"/>
+          </a:fontRef>
+        </p:style>
+        <p:txBody>
+          <a:bodyPr rtlCol="0" anchor="ctr"/>
+          <a:lstStyle/>
+          <a:p>
+            <a:pPr algn="ctr"/>
+            <a:r>
+              <a:rPr lang="en-US" sz="4000" dirty="0" smtClean="0">
+                <a:solidFill>
+                  <a:schemeClr val="tx1"/>
+                </a:solidFill>
+              </a:rPr>
+              <a:t>1</a:t>
+            </a:r>
+            <a:endParaRPr lang="en-US" sz="4000" dirty="0">
+              <a:solidFill>
+                <a:schemeClr val="tx1"/>
+              </a:solidFill>
+            </a:endParaRPr>
+          </a:p>
+        </p:txBody>
+      </p:sp>
+      <p:sp>
+        <p:nvSpPr>
+          <p:cNvPr id="26" name="Oval 25"/>
+          <p:cNvSpPr/>
+          <p:nvPr/>
+        </p:nvSpPr>
+        <p:spPr>
+          <a:xfrm>
+            <a:off x="6134686" y="5035793"/>
+            <a:ext cx="717452" cy="717452"/>
+          </a:xfrm>
+          <a:prstGeom prst="ellipse">
+            <a:avLst/>
+          </a:prstGeom>
+          <a:noFill/>
+          <a:ln w="25400">
+            <a:solidFill>
+              <a:schemeClr val="tx1"/>
+            </a:solidFill>
+          </a:ln>
+        </p:spPr>
+        <p:style>
+          <a:lnRef idx="2">
+            <a:schemeClr val="accent1">
+              <a:shade val="50000"/>
+            </a:schemeClr>
+          </a:lnRef>
+          <a:fillRef idx="1">
+            <a:schemeClr val="accent1"/>
+          </a:fillRef>
+          <a:effectRef idx="0">
+            <a:schemeClr val="accent1"/>
+          </a:effectRef>
+          <a:fontRef idx="minor">
+            <a:schemeClr val="lt1"/>
+          </a:fontRef>
+        </p:style>
+        <p:txBody>
+          <a:bodyPr rtlCol="0" anchor="ctr"/>
+          <a:lstStyle/>
+          <a:p>
+            <a:pPr algn="ctr"/>
+            <a:r>
+              <a:rPr lang="en-US" sz="4000" dirty="0" smtClean="0">
+                <a:solidFill>
+                  <a:schemeClr val="tx1"/>
+                </a:solidFill>
+              </a:rPr>
+              <a:t>3</a:t>
+            </a:r>
+            <a:endParaRPr lang="en-US" sz="4000" dirty="0">
+              <a:solidFill>
+                <a:schemeClr val="tx1"/>
+              </a:solidFill>
+            </a:endParaRPr>
+          </a:p>
+        </p:txBody>
+      </p:sp>
+      <p:sp>
+        <p:nvSpPr>
+          <p:cNvPr id="28" name="Oval 27"/>
+          <p:cNvSpPr/>
+          <p:nvPr/>
+        </p:nvSpPr>
+        <p:spPr>
+          <a:xfrm>
+            <a:off x="7861495" y="4540638"/>
+            <a:ext cx="717452" cy="717452"/>
+          </a:xfrm>
+          <a:prstGeom prst="ellipse">
+            <a:avLst/>
+          </a:prstGeom>
+          <a:noFill/>
+          <a:ln w="25400">
+            <a:solidFill>
+              <a:schemeClr val="tx1"/>
+            </a:solidFill>
+          </a:ln>
+        </p:spPr>
+        <p:style>
+          <a:lnRef idx="2">
+            <a:schemeClr val="accent1">
+              <a:shade val="50000"/>
+            </a:schemeClr>
+          </a:lnRef>
+          <a:fillRef idx="1">
+            <a:schemeClr val="accent1"/>
+          </a:fillRef>
+          <a:effectRef idx="0">
+            <a:schemeClr val="accent1"/>
+          </a:effectRef>
+          <a:fontRef idx="minor">
+            <a:schemeClr val="lt1"/>
+          </a:fontRef>
+        </p:style>
+        <p:txBody>
+          <a:bodyPr rtlCol="0" anchor="ctr"/>
+          <a:lstStyle/>
+          <a:p>
+            <a:pPr algn="ctr"/>
+            <a:r>
+              <a:rPr lang="en-US" sz="4000" dirty="0" smtClean="0">
+                <a:solidFill>
+                  <a:schemeClr val="tx1"/>
+                </a:solidFill>
+              </a:rPr>
+              <a:t>5</a:t>
+            </a:r>
+            <a:endParaRPr lang="en-US" sz="4000" dirty="0">
+              <a:solidFill>
+                <a:schemeClr val="tx1"/>
+              </a:solidFill>
+            </a:endParaRPr>
+          </a:p>
+        </p:txBody>
+      </p:sp>
+      <p:cxnSp>
+        <p:nvCxnSpPr>
+          <p:cNvPr id="31" name="Straight Arrow Connector 30"/>
+          <p:cNvCxnSpPr>
+            <a:stCxn id="18" idx="4"/>
+            <a:endCxn id="28" idx="0"/>
+          </p:cNvCxnSpPr>
+          <p:nvPr/>
+        </p:nvCxnSpPr>
+        <p:spPr>
+          <a:xfrm>
+            <a:off x="8220221" y="3809999"/>
+            <a:ext cx="0" cy="730639"/>
+          </a:xfrm>
+          <a:prstGeom prst="straightConnector1">
+            <a:avLst/>
+          </a:prstGeom>
+          <a:ln w="31750">
+            <a:solidFill>
+              <a:schemeClr val="tx1"/>
+            </a:solidFill>
+            <a:prstDash val="solid"/>
+            <a:tailEnd type="none" w="lg" len="lg"/>
+          </a:ln>
+        </p:spPr>
+        <p:style>
+          <a:lnRef idx="1">
+            <a:schemeClr val="accent1"/>
+          </a:lnRef>
+          <a:fillRef idx="0">
+            <a:schemeClr val="accent1"/>
+          </a:fillRef>
+          <a:effectRef idx="0">
+            <a:schemeClr val="accent1"/>
+          </a:effectRef>
+          <a:fontRef idx="minor">
+            <a:schemeClr val="tx1"/>
+          </a:fontRef>
+        </p:style>
+      </p:cxnSp>
+      <p:cxnSp>
+        <p:nvCxnSpPr>
+          <p:cNvPr id="34" name="Straight Arrow Connector 33"/>
+          <p:cNvCxnSpPr>
+            <a:stCxn id="17" idx="4"/>
+            <a:endCxn id="26" idx="0"/>
+          </p:cNvCxnSpPr>
+          <p:nvPr/>
+        </p:nvCxnSpPr>
+        <p:spPr>
+          <a:xfrm flipH="1">
+            <a:off x="6493412" y="4370362"/>
+            <a:ext cx="12895" cy="665431"/>
+          </a:xfrm>
+          <a:prstGeom prst="straightConnector1">
+            <a:avLst/>
+          </a:prstGeom>
+          <a:ln w="31750">
+            <a:solidFill>
+              <a:schemeClr val="tx1"/>
+            </a:solidFill>
+            <a:prstDash val="solid"/>
+            <a:tailEnd type="none" w="lg" len="lg"/>
+          </a:ln>
+        </p:spPr>
+        <p:style>
+          <a:lnRef idx="1">
+            <a:schemeClr val="accent1"/>
+          </a:lnRef>
+          <a:fillRef idx="0">
+            <a:schemeClr val="accent1"/>
+          </a:fillRef>
+          <a:effectRef idx="0">
+            <a:schemeClr val="accent1"/>
+          </a:effectRef>
+          <a:fontRef idx="minor">
+            <a:schemeClr val="tx1"/>
+          </a:fontRef>
+        </p:style>
+      </p:cxnSp>
+      <p:cxnSp>
+        <p:nvCxnSpPr>
+          <p:cNvPr id="37" name="Straight Arrow Connector 36"/>
+          <p:cNvCxnSpPr>
+            <a:stCxn id="16" idx="4"/>
+            <a:endCxn id="25" idx="0"/>
+          </p:cNvCxnSpPr>
+          <p:nvPr/>
+        </p:nvCxnSpPr>
+        <p:spPr>
+          <a:xfrm>
+            <a:off x="5071403" y="4370362"/>
+            <a:ext cx="0" cy="665431"/>
+          </a:xfrm>
+          <a:prstGeom prst="straightConnector1">
+            <a:avLst/>
+          </a:prstGeom>
+          <a:ln w="31750">
+            <a:solidFill>
+              <a:schemeClr val="tx1"/>
+            </a:solidFill>
+            <a:prstDash val="solid"/>
+            <a:tailEnd type="none" w="lg" len="lg"/>
+          </a:ln>
+        </p:spPr>
+        <p:style>
+          <a:lnRef idx="1">
+            <a:schemeClr val="accent1"/>
+          </a:lnRef>
+          <a:fillRef idx="0">
+            <a:schemeClr val="accent1"/>
+          </a:fillRef>
+          <a:effectRef idx="0">
+            <a:schemeClr val="accent1"/>
+          </a:effectRef>
+          <a:fontRef idx="minor">
+            <a:schemeClr val="tx1"/>
+          </a:fontRef>
+        </p:style>
+      </p:cxnSp>
+    </p:spTree>
+    <p:extLst>
+      <p:ext uri="{BB962C8B-B14F-4D97-AF65-F5344CB8AC3E}">
+        <p14:creationId xmlns:p14="http://schemas.microsoft.com/office/powerpoint/2010/main" val="1367480997"/>
+      </p:ext>
+    </p:extLst>
+  </p:cSld>
+  <p:clrMapOvr>
+    <a:masterClrMapping/>
+  </p:clrMapOvr>
+</p:sld>
+</file>
+
+<file path=ppt/slides/slide5.xml><?xml version="1.0" encoding="utf-8"?>
+<p:sld xmlns:a="http://schemas.openxmlformats.org/drawingml/2006/main" xmlns:r="http://schemas.openxmlformats.org/officeDocument/2006/relationships" xmlns:p="http://schemas.openxmlformats.org/presentationml/2006/main">
+  <p:cSld>
+    <p:spTree>
+      <p:nvGrpSpPr>
+        <p:cNvPr id="1" name=""/>
+        <p:cNvGrpSpPr/>
+        <p:nvPr/>
+      </p:nvGrpSpPr>
+      <p:grpSpPr>
+        <a:xfrm>
+          <a:off x="0" y="0"/>
+          <a:ext cx="0" cy="0"/>
+          <a:chOff x="0" y="0"/>
+          <a:chExt cx="0" cy="0"/>
+        </a:xfrm>
+      </p:grpSpPr>
+      <p:sp>
+        <p:nvSpPr>
+          <p:cNvPr id="2" name="Oval 1"/>
+          <p:cNvSpPr/>
+          <p:nvPr/>
+        </p:nvSpPr>
+        <p:spPr>
+          <a:xfrm>
+            <a:off x="5359790" y="168813"/>
+            <a:ext cx="717452" cy="717452"/>
+          </a:xfrm>
+          <a:prstGeom prst="ellipse">
+            <a:avLst/>
+          </a:prstGeom>
+          <a:noFill/>
+          <a:ln w="25400">
+            <a:solidFill>
+              <a:schemeClr val="tx1"/>
+            </a:solidFill>
+          </a:ln>
+        </p:spPr>
+        <p:style>
+          <a:lnRef idx="2">
+            <a:schemeClr val="accent1">
+              <a:shade val="50000"/>
+            </a:schemeClr>
+          </a:lnRef>
+          <a:fillRef idx="1">
+            <a:schemeClr val="accent1"/>
+          </a:fillRef>
+          <a:effectRef idx="0">
+            <a:schemeClr val="accent1"/>
+          </a:effectRef>
+          <a:fontRef idx="minor">
+            <a:schemeClr val="lt1"/>
+          </a:fontRef>
+        </p:style>
+        <p:txBody>
+          <a:bodyPr rtlCol="0" anchor="ctr"/>
+          <a:lstStyle/>
+          <a:p>
+            <a:pPr algn="ctr"/>
+            <a:r>
+              <a:rPr lang="en-US" sz="4000" dirty="0" smtClean="0">
+                <a:solidFill>
+                  <a:schemeClr val="tx1"/>
+                </a:solidFill>
+              </a:rPr>
+              <a:t>2</a:t>
+            </a:r>
+            <a:endParaRPr lang="en-US" sz="4000" dirty="0">
+              <a:solidFill>
+                <a:schemeClr val="tx1"/>
+              </a:solidFill>
+            </a:endParaRPr>
+          </a:p>
+        </p:txBody>
+      </p:sp>
+      <p:sp>
+        <p:nvSpPr>
+          <p:cNvPr id="3" name="Oval 2"/>
+          <p:cNvSpPr/>
+          <p:nvPr/>
+        </p:nvSpPr>
+        <p:spPr>
+          <a:xfrm>
+            <a:off x="5359790" y="1770185"/>
+            <a:ext cx="717452" cy="717452"/>
+          </a:xfrm>
+          <a:prstGeom prst="ellipse">
+            <a:avLst/>
+          </a:prstGeom>
+          <a:noFill/>
+          <a:ln w="25400">
+            <a:solidFill>
+              <a:schemeClr val="tx1"/>
+            </a:solidFill>
+          </a:ln>
+        </p:spPr>
+        <p:style>
+          <a:lnRef idx="2">
+            <a:schemeClr val="accent1">
+              <a:shade val="50000"/>
+            </a:schemeClr>
+          </a:lnRef>
+          <a:fillRef idx="1">
+            <a:schemeClr val="accent1"/>
+          </a:fillRef>
+          <a:effectRef idx="0">
+            <a:schemeClr val="accent1"/>
+          </a:effectRef>
+          <a:fontRef idx="minor">
+            <a:schemeClr val="lt1"/>
+          </a:fontRef>
+        </p:style>
+        <p:txBody>
+          <a:bodyPr rtlCol="0" anchor="ctr"/>
+          <a:lstStyle/>
+          <a:p>
+            <a:pPr algn="ctr"/>
+            <a:r>
+              <a:rPr lang="en-US" sz="4000" dirty="0" smtClean="0">
+                <a:solidFill>
+                  <a:schemeClr val="tx1"/>
+                </a:solidFill>
+              </a:rPr>
+              <a:t>5</a:t>
+            </a:r>
+            <a:endParaRPr lang="en-US" sz="4000" dirty="0">
+              <a:solidFill>
+                <a:schemeClr val="tx1"/>
+              </a:solidFill>
+            </a:endParaRPr>
+          </a:p>
+        </p:txBody>
+      </p:sp>
+      <p:sp>
+        <p:nvSpPr>
+          <p:cNvPr id="4" name="Oval 3"/>
+          <p:cNvSpPr/>
+          <p:nvPr/>
+        </p:nvSpPr>
+        <p:spPr>
+          <a:xfrm>
+            <a:off x="3950676" y="1186376"/>
+            <a:ext cx="717452" cy="717452"/>
+          </a:xfrm>
+          <a:prstGeom prst="ellipse">
+            <a:avLst/>
+          </a:prstGeom>
+          <a:noFill/>
+          <a:ln w="25400">
+            <a:solidFill>
+              <a:schemeClr val="tx1"/>
+            </a:solidFill>
+          </a:ln>
+        </p:spPr>
+        <p:style>
+          <a:lnRef idx="2">
+            <a:schemeClr val="accent1">
+              <a:shade val="50000"/>
+            </a:schemeClr>
+          </a:lnRef>
+          <a:fillRef idx="1">
+            <a:schemeClr val="accent1"/>
+          </a:fillRef>
+          <a:effectRef idx="0">
+            <a:schemeClr val="accent1"/>
+          </a:effectRef>
+          <a:fontRef idx="minor">
+            <a:schemeClr val="lt1"/>
+          </a:fontRef>
+        </p:style>
+        <p:txBody>
+          <a:bodyPr rtlCol="0" anchor="ctr"/>
+          <a:lstStyle/>
+          <a:p>
+            <a:pPr algn="ctr"/>
+            <a:r>
+              <a:rPr lang="en-US" sz="4000" dirty="0" smtClean="0">
+                <a:solidFill>
+                  <a:schemeClr val="tx1"/>
+                </a:solidFill>
+              </a:rPr>
+              <a:t>1</a:t>
+            </a:r>
+            <a:endParaRPr lang="en-US" sz="4000" dirty="0">
+              <a:solidFill>
+                <a:schemeClr val="tx1"/>
+              </a:solidFill>
+            </a:endParaRPr>
+          </a:p>
+        </p:txBody>
+      </p:sp>
+      <p:sp>
+        <p:nvSpPr>
+          <p:cNvPr id="5" name="Oval 4"/>
+          <p:cNvSpPr/>
+          <p:nvPr/>
+        </p:nvSpPr>
+        <p:spPr>
+          <a:xfrm>
+            <a:off x="6768904" y="1186376"/>
+            <a:ext cx="717452" cy="717452"/>
+          </a:xfrm>
+          <a:prstGeom prst="ellipse">
+            <a:avLst/>
+          </a:prstGeom>
+          <a:noFill/>
+          <a:ln w="25400">
+            <a:solidFill>
+              <a:schemeClr val="tx1"/>
+            </a:solidFill>
+          </a:ln>
+        </p:spPr>
+        <p:style>
+          <a:lnRef idx="2">
+            <a:schemeClr val="accent1">
+              <a:shade val="50000"/>
+            </a:schemeClr>
+          </a:lnRef>
+          <a:fillRef idx="1">
+            <a:schemeClr val="accent1"/>
+          </a:fillRef>
+          <a:effectRef idx="0">
+            <a:schemeClr val="accent1"/>
+          </a:effectRef>
+          <a:fontRef idx="minor">
+            <a:schemeClr val="lt1"/>
+          </a:fontRef>
+        </p:style>
+        <p:txBody>
+          <a:bodyPr rtlCol="0" anchor="ctr"/>
+          <a:lstStyle/>
+          <a:p>
+            <a:pPr algn="ctr"/>
+            <a:r>
+              <a:rPr lang="en-US" sz="4000" smtClean="0">
+                <a:solidFill>
+                  <a:schemeClr val="tx1"/>
+                </a:solidFill>
+              </a:rPr>
+              <a:t>3</a:t>
+            </a:r>
+            <a:endParaRPr lang="en-US" sz="4000" dirty="0">
+              <a:solidFill>
+                <a:schemeClr val="tx1"/>
+              </a:solidFill>
+            </a:endParaRPr>
+          </a:p>
+        </p:txBody>
+      </p:sp>
+      <p:cxnSp>
+        <p:nvCxnSpPr>
+          <p:cNvPr id="6" name="Straight Arrow Connector 5"/>
+          <p:cNvCxnSpPr>
+            <a:stCxn id="2" idx="3"/>
+            <a:endCxn id="4" idx="7"/>
+          </p:cNvCxnSpPr>
+          <p:nvPr/>
+        </p:nvCxnSpPr>
+        <p:spPr>
+          <a:xfrm flipH="1">
+            <a:off x="4563060" y="781197"/>
+            <a:ext cx="901798" cy="510247"/>
+          </a:xfrm>
+          <a:prstGeom prst="straightConnector1">
+            <a:avLst/>
+          </a:prstGeom>
+          <a:ln w="31750">
+            <a:solidFill>
+              <a:schemeClr val="tx1"/>
+            </a:solidFill>
+            <a:prstDash val="solid"/>
+            <a:tailEnd type="none" w="lg" len="lg"/>
+          </a:ln>
+        </p:spPr>
+        <p:style>
+          <a:lnRef idx="1">
+            <a:schemeClr val="accent1"/>
+          </a:lnRef>
+          <a:fillRef idx="0">
+            <a:schemeClr val="accent1"/>
+          </a:fillRef>
+          <a:effectRef idx="0">
+            <a:schemeClr val="accent1"/>
+          </a:effectRef>
+          <a:fontRef idx="minor">
+            <a:schemeClr val="tx1"/>
+          </a:fontRef>
+        </p:style>
+      </p:cxnSp>
+      <p:cxnSp>
+        <p:nvCxnSpPr>
+          <p:cNvPr id="11" name="Straight Arrow Connector 10"/>
+          <p:cNvCxnSpPr>
+            <a:stCxn id="2" idx="4"/>
+            <a:endCxn id="3" idx="0"/>
+          </p:cNvCxnSpPr>
+          <p:nvPr/>
+        </p:nvCxnSpPr>
+        <p:spPr>
+          <a:xfrm>
+            <a:off x="5718516" y="886265"/>
+            <a:ext cx="0" cy="883920"/>
+          </a:xfrm>
+          <a:prstGeom prst="straightConnector1">
+            <a:avLst/>
+          </a:prstGeom>
+          <a:ln w="31750">
+            <a:solidFill>
+              <a:schemeClr val="tx1"/>
+            </a:solidFill>
+            <a:prstDash val="solid"/>
+            <a:tailEnd type="none" w="lg" len="lg"/>
+          </a:ln>
+        </p:spPr>
+        <p:style>
+          <a:lnRef idx="1">
+            <a:schemeClr val="accent1"/>
+          </a:lnRef>
+          <a:fillRef idx="0">
+            <a:schemeClr val="accent1"/>
+          </a:fillRef>
+          <a:effectRef idx="0">
+            <a:schemeClr val="accent1"/>
+          </a:effectRef>
+          <a:fontRef idx="minor">
+            <a:schemeClr val="tx1"/>
+          </a:fontRef>
+        </p:style>
+      </p:cxnSp>
+      <p:cxnSp>
+        <p:nvCxnSpPr>
+          <p:cNvPr id="14" name="Straight Arrow Connector 13"/>
+          <p:cNvCxnSpPr>
+            <a:stCxn id="2" idx="5"/>
+            <a:endCxn id="5" idx="1"/>
+          </p:cNvCxnSpPr>
+          <p:nvPr/>
+        </p:nvCxnSpPr>
+        <p:spPr>
+          <a:xfrm>
+            <a:off x="5972174" y="781197"/>
+            <a:ext cx="901798" cy="510247"/>
+          </a:xfrm>
+          <a:prstGeom prst="straightConnector1">
+            <a:avLst/>
+          </a:prstGeom>
+          <a:ln w="31750">
+            <a:solidFill>
+              <a:schemeClr val="tx1"/>
+            </a:solidFill>
+            <a:prstDash val="solid"/>
+            <a:tailEnd type="none" w="lg" len="lg"/>
+          </a:ln>
+        </p:spPr>
+        <p:style>
+          <a:lnRef idx="1">
+            <a:schemeClr val="accent1"/>
+          </a:lnRef>
+          <a:fillRef idx="0">
+            <a:schemeClr val="accent1"/>
+          </a:fillRef>
+          <a:effectRef idx="0">
+            <a:schemeClr val="accent1"/>
+          </a:effectRef>
+          <a:fontRef idx="minor">
+            <a:schemeClr val="tx1"/>
+          </a:fontRef>
+        </p:style>
+      </p:cxnSp>
+      <p:sp>
+        <p:nvSpPr>
+          <p:cNvPr id="9" name="Oval 8"/>
+          <p:cNvSpPr/>
+          <p:nvPr/>
+        </p:nvSpPr>
+        <p:spPr>
+          <a:xfrm>
+            <a:off x="2928791" y="2487637"/>
+            <a:ext cx="717452" cy="717452"/>
+          </a:xfrm>
+          <a:prstGeom prst="ellipse">
+            <a:avLst/>
+          </a:prstGeom>
+          <a:noFill/>
+          <a:ln w="25400">
+            <a:solidFill>
+              <a:schemeClr val="tx1"/>
+            </a:solidFill>
+          </a:ln>
+        </p:spPr>
+        <p:style>
+          <a:lnRef idx="2">
+            <a:schemeClr val="accent1">
+              <a:shade val="50000"/>
+            </a:schemeClr>
+          </a:lnRef>
+          <a:fillRef idx="1">
+            <a:schemeClr val="accent1"/>
+          </a:fillRef>
+          <a:effectRef idx="0">
+            <a:schemeClr val="accent1"/>
+          </a:effectRef>
+          <a:fontRef idx="minor">
+            <a:schemeClr val="lt1"/>
+          </a:fontRef>
+        </p:style>
+        <p:txBody>
+          <a:bodyPr rtlCol="0" anchor="ctr"/>
+          <a:lstStyle/>
+          <a:p>
+            <a:pPr algn="ctr"/>
+            <a:r>
+              <a:rPr lang="en-US" sz="4000" dirty="0" smtClean="0">
+                <a:solidFill>
+                  <a:schemeClr val="tx1"/>
+                </a:solidFill>
+              </a:rPr>
+              <a:t>4</a:t>
+            </a:r>
+            <a:endParaRPr lang="en-US" sz="4000" dirty="0">
+              <a:solidFill>
+                <a:schemeClr val="tx1"/>
+              </a:solidFill>
+            </a:endParaRPr>
+          </a:p>
+        </p:txBody>
+      </p:sp>
+      <p:cxnSp>
+        <p:nvCxnSpPr>
+          <p:cNvPr id="10" name="Straight Arrow Connector 9"/>
+          <p:cNvCxnSpPr>
+            <a:stCxn id="4" idx="3"/>
+            <a:endCxn id="9" idx="7"/>
+          </p:cNvCxnSpPr>
+          <p:nvPr/>
+        </p:nvCxnSpPr>
+        <p:spPr>
+          <a:xfrm flipH="1">
+            <a:off x="3541175" y="1798760"/>
+            <a:ext cx="514569" cy="793945"/>
+          </a:xfrm>
+          <a:prstGeom prst="straightConnector1">
+            <a:avLst/>
+          </a:prstGeom>
+          <a:ln w="31750">
+            <a:solidFill>
+              <a:schemeClr val="tx1"/>
+            </a:solidFill>
+            <a:prstDash val="solid"/>
+            <a:tailEnd type="none" w="lg" len="lg"/>
+          </a:ln>
+        </p:spPr>
+        <p:style>
+          <a:lnRef idx="1">
+            <a:schemeClr val="accent1"/>
+          </a:lnRef>
+          <a:fillRef idx="0">
+            <a:schemeClr val="accent1"/>
+          </a:fillRef>
+          <a:effectRef idx="0">
+            <a:schemeClr val="accent1"/>
+          </a:effectRef>
+          <a:fontRef idx="minor">
+            <a:schemeClr val="tx1"/>
+          </a:fontRef>
+        </p:style>
+      </p:cxnSp>
+      <p:sp>
+        <p:nvSpPr>
+          <p:cNvPr id="16" name="Oval 15"/>
+          <p:cNvSpPr/>
+          <p:nvPr/>
+        </p:nvSpPr>
+        <p:spPr>
+          <a:xfrm>
+            <a:off x="4642338" y="3048000"/>
+            <a:ext cx="717452" cy="717452"/>
+          </a:xfrm>
+          <a:prstGeom prst="ellipse">
+            <a:avLst/>
+          </a:prstGeom>
+          <a:noFill/>
+          <a:ln w="25400">
+            <a:solidFill>
+              <a:schemeClr val="tx1"/>
+            </a:solidFill>
+          </a:ln>
+        </p:spPr>
+        <p:style>
+          <a:lnRef idx="2">
+            <a:schemeClr val="accent1">
+              <a:shade val="50000"/>
+            </a:schemeClr>
+          </a:lnRef>
+          <a:fillRef idx="1">
+            <a:schemeClr val="accent1"/>
+          </a:fillRef>
+          <a:effectRef idx="0">
+            <a:schemeClr val="accent1"/>
+          </a:effectRef>
+          <a:fontRef idx="minor">
+            <a:schemeClr val="lt1"/>
+          </a:fontRef>
+        </p:style>
+        <p:txBody>
+          <a:bodyPr rtlCol="0" anchor="ctr"/>
+          <a:lstStyle/>
+          <a:p>
+            <a:pPr algn="ctr"/>
+            <a:r>
+              <a:rPr lang="en-US" sz="4000" smtClean="0">
+                <a:solidFill>
+                  <a:schemeClr val="tx1"/>
+                </a:solidFill>
+              </a:rPr>
+              <a:t>4</a:t>
+            </a:r>
+            <a:endParaRPr lang="en-US" sz="4000" dirty="0">
+              <a:solidFill>
+                <a:schemeClr val="tx1"/>
+              </a:solidFill>
+            </a:endParaRPr>
+          </a:p>
+        </p:txBody>
+      </p:sp>
+      <p:sp>
+        <p:nvSpPr>
+          <p:cNvPr id="17" name="Oval 16"/>
+          <p:cNvSpPr/>
+          <p:nvPr/>
+        </p:nvSpPr>
+        <p:spPr>
+          <a:xfrm>
+            <a:off x="6077242" y="3048000"/>
+            <a:ext cx="717452" cy="717452"/>
+          </a:xfrm>
+          <a:prstGeom prst="ellipse">
+            <a:avLst/>
+          </a:prstGeom>
+          <a:noFill/>
+          <a:ln w="25400">
+            <a:solidFill>
+              <a:schemeClr val="tx1"/>
+            </a:solidFill>
+          </a:ln>
+        </p:spPr>
+        <p:style>
+          <a:lnRef idx="2">
+            <a:schemeClr val="accent1">
+              <a:shade val="50000"/>
+            </a:schemeClr>
+          </a:lnRef>
+          <a:fillRef idx="1">
+            <a:schemeClr val="accent1"/>
+          </a:fillRef>
+          <a:effectRef idx="0">
+            <a:schemeClr val="accent1"/>
+          </a:effectRef>
+          <a:fontRef idx="minor">
+            <a:schemeClr val="lt1"/>
+          </a:fontRef>
+        </p:style>
+        <p:txBody>
+          <a:bodyPr rtlCol="0" anchor="ctr"/>
+          <a:lstStyle/>
+          <a:p>
+            <a:pPr algn="ctr"/>
+            <a:r>
+              <a:rPr lang="en-US" sz="4000" dirty="0" smtClean="0">
+                <a:solidFill>
+                  <a:schemeClr val="tx1"/>
+                </a:solidFill>
+              </a:rPr>
+              <a:t>6</a:t>
+            </a:r>
+            <a:endParaRPr lang="en-US" sz="4000" dirty="0">
+              <a:solidFill>
+                <a:schemeClr val="tx1"/>
+              </a:solidFill>
+            </a:endParaRPr>
+          </a:p>
+        </p:txBody>
+      </p:sp>
+      <p:sp>
+        <p:nvSpPr>
+          <p:cNvPr id="18" name="Oval 17"/>
+          <p:cNvSpPr/>
+          <p:nvPr/>
+        </p:nvSpPr>
+        <p:spPr>
+          <a:xfrm>
+            <a:off x="7791156" y="2487637"/>
+            <a:ext cx="717452" cy="717452"/>
+          </a:xfrm>
+          <a:prstGeom prst="ellipse">
+            <a:avLst/>
+          </a:prstGeom>
+          <a:noFill/>
+          <a:ln w="25400">
+            <a:solidFill>
+              <a:schemeClr val="tx1"/>
+            </a:solidFill>
+          </a:ln>
+        </p:spPr>
+        <p:style>
+          <a:lnRef idx="2">
+            <a:schemeClr val="accent1">
+              <a:shade val="50000"/>
+            </a:schemeClr>
+          </a:lnRef>
+          <a:fillRef idx="1">
+            <a:schemeClr val="accent1"/>
+          </a:fillRef>
+          <a:effectRef idx="0">
+            <a:schemeClr val="accent1"/>
+          </a:effectRef>
+          <a:fontRef idx="minor">
+            <a:schemeClr val="lt1"/>
+          </a:fontRef>
+        </p:style>
+        <p:txBody>
+          <a:bodyPr rtlCol="0" anchor="ctr"/>
+          <a:lstStyle/>
+          <a:p>
+            <a:pPr algn="ctr"/>
+            <a:r>
+              <a:rPr lang="en-US" sz="4000" dirty="0" smtClean="0">
+                <a:solidFill>
+                  <a:schemeClr val="tx1"/>
+                </a:solidFill>
+              </a:rPr>
+              <a:t>6</a:t>
+            </a:r>
+            <a:endParaRPr lang="en-US" sz="4000" dirty="0">
+              <a:solidFill>
+                <a:schemeClr val="tx1"/>
+              </a:solidFill>
+            </a:endParaRPr>
+          </a:p>
+        </p:txBody>
+      </p:sp>
+      <p:cxnSp>
+        <p:nvCxnSpPr>
+          <p:cNvPr id="20" name="Straight Arrow Connector 19"/>
+          <p:cNvCxnSpPr>
+            <a:stCxn id="5" idx="5"/>
+            <a:endCxn id="18" idx="1"/>
+          </p:cNvCxnSpPr>
+          <p:nvPr/>
+        </p:nvCxnSpPr>
+        <p:spPr>
+          <a:xfrm>
+            <a:off x="7381288" y="1798760"/>
+            <a:ext cx="514936" cy="793945"/>
+          </a:xfrm>
+          <a:prstGeom prst="straightConnector1">
+            <a:avLst/>
+          </a:prstGeom>
+          <a:ln w="31750">
+            <a:solidFill>
+              <a:schemeClr val="tx1"/>
+            </a:solidFill>
+            <a:prstDash val="solid"/>
+            <a:tailEnd type="none" w="lg" len="lg"/>
+          </a:ln>
+        </p:spPr>
+        <p:style>
+          <a:lnRef idx="1">
+            <a:schemeClr val="accent1"/>
+          </a:lnRef>
+          <a:fillRef idx="0">
+            <a:schemeClr val="accent1"/>
+          </a:fillRef>
+          <a:effectRef idx="0">
+            <a:schemeClr val="accent1"/>
+          </a:effectRef>
+          <a:fontRef idx="minor">
+            <a:schemeClr val="tx1"/>
+          </a:fontRef>
+        </p:style>
+      </p:cxnSp>
+      <p:cxnSp>
+        <p:nvCxnSpPr>
+          <p:cNvPr id="24" name="Straight Arrow Connector 23"/>
+          <p:cNvCxnSpPr>
+            <a:stCxn id="3" idx="3"/>
+            <a:endCxn id="16" idx="0"/>
+          </p:cNvCxnSpPr>
+          <p:nvPr/>
+        </p:nvCxnSpPr>
+        <p:spPr>
+          <a:xfrm flipH="1">
+            <a:off x="5001064" y="2382569"/>
+            <a:ext cx="463794" cy="665431"/>
+          </a:xfrm>
+          <a:prstGeom prst="straightConnector1">
+            <a:avLst/>
+          </a:prstGeom>
+          <a:ln w="31750">
+            <a:solidFill>
+              <a:schemeClr val="tx1"/>
+            </a:solidFill>
+            <a:prstDash val="solid"/>
+            <a:tailEnd type="none" w="lg" len="lg"/>
+          </a:ln>
+        </p:spPr>
+        <p:style>
+          <a:lnRef idx="1">
+            <a:schemeClr val="accent1"/>
+          </a:lnRef>
+          <a:fillRef idx="0">
+            <a:schemeClr val="accent1"/>
+          </a:fillRef>
+          <a:effectRef idx="0">
+            <a:schemeClr val="accent1"/>
+          </a:effectRef>
+          <a:fontRef idx="minor">
+            <a:schemeClr val="tx1"/>
+          </a:fontRef>
+        </p:style>
+      </p:cxnSp>
+      <p:cxnSp>
+        <p:nvCxnSpPr>
+          <p:cNvPr id="30" name="Straight Arrow Connector 29"/>
+          <p:cNvCxnSpPr>
+            <a:stCxn id="3" idx="5"/>
+            <a:endCxn id="17" idx="0"/>
+          </p:cNvCxnSpPr>
+          <p:nvPr/>
+        </p:nvCxnSpPr>
+        <p:spPr>
+          <a:xfrm>
+            <a:off x="5972174" y="2382569"/>
+            <a:ext cx="463794" cy="665431"/>
+          </a:xfrm>
+          <a:prstGeom prst="straightConnector1">
+            <a:avLst/>
+          </a:prstGeom>
+          <a:ln w="31750">
+            <a:solidFill>
+              <a:schemeClr val="tx1"/>
+            </a:solidFill>
+            <a:prstDash val="solid"/>
+            <a:tailEnd type="none" w="lg" len="lg"/>
+          </a:ln>
+        </p:spPr>
+        <p:style>
+          <a:lnRef idx="1">
+            <a:schemeClr val="accent1"/>
+          </a:lnRef>
+          <a:fillRef idx="0">
+            <a:schemeClr val="accent1"/>
+          </a:fillRef>
+          <a:effectRef idx="0">
+            <a:schemeClr val="accent1"/>
+          </a:effectRef>
+          <a:fontRef idx="minor">
+            <a:schemeClr val="tx1"/>
+          </a:fontRef>
+        </p:style>
+      </p:cxnSp>
+      <p:sp>
+        <p:nvSpPr>
+          <p:cNvPr id="19" name="Oval 18"/>
+          <p:cNvSpPr/>
+          <p:nvPr/>
+        </p:nvSpPr>
+        <p:spPr>
+          <a:xfrm>
+            <a:off x="2928791" y="3935728"/>
+            <a:ext cx="717452" cy="717452"/>
+          </a:xfrm>
+          <a:prstGeom prst="ellipse">
+            <a:avLst/>
+          </a:prstGeom>
+          <a:noFill/>
+          <a:ln w="25400">
+            <a:solidFill>
+              <a:schemeClr val="tx1"/>
+            </a:solidFill>
+          </a:ln>
+        </p:spPr>
+        <p:style>
+          <a:lnRef idx="2">
+            <a:schemeClr val="accent1">
+              <a:shade val="50000"/>
+            </a:schemeClr>
+          </a:lnRef>
+          <a:fillRef idx="1">
+            <a:schemeClr val="accent1"/>
+          </a:fillRef>
+          <a:effectRef idx="0">
+            <a:schemeClr val="accent1"/>
+          </a:effectRef>
+          <a:fontRef idx="minor">
+            <a:schemeClr val="lt1"/>
+          </a:fontRef>
+        </p:style>
+        <p:txBody>
+          <a:bodyPr rtlCol="0" anchor="ctr"/>
+          <a:lstStyle/>
+          <a:p>
+            <a:pPr algn="ctr"/>
+            <a:r>
+              <a:rPr lang="en-US" sz="4000" dirty="0" smtClean="0">
+                <a:solidFill>
+                  <a:schemeClr val="tx1"/>
+                </a:solidFill>
+              </a:rPr>
+              <a:t>5</a:t>
+            </a:r>
+            <a:endParaRPr lang="en-US" sz="4000" dirty="0">
+              <a:solidFill>
+                <a:schemeClr val="tx1"/>
+              </a:solidFill>
+            </a:endParaRPr>
+          </a:p>
+        </p:txBody>
+      </p:sp>
+      <p:cxnSp>
+        <p:nvCxnSpPr>
+          <p:cNvPr id="21" name="Straight Arrow Connector 20"/>
+          <p:cNvCxnSpPr>
+            <a:stCxn id="9" idx="4"/>
+            <a:endCxn id="19" idx="0"/>
+          </p:cNvCxnSpPr>
+          <p:nvPr/>
+        </p:nvCxnSpPr>
+        <p:spPr>
+          <a:xfrm>
+            <a:off x="3287517" y="3205089"/>
+            <a:ext cx="0" cy="730639"/>
+          </a:xfrm>
+          <a:prstGeom prst="straightConnector1">
+            <a:avLst/>
+          </a:prstGeom>
+          <a:ln w="31750">
+            <a:solidFill>
+              <a:schemeClr val="tx1"/>
+            </a:solidFill>
+            <a:prstDash val="solid"/>
+            <a:tailEnd type="none" w="lg" len="lg"/>
+          </a:ln>
+        </p:spPr>
+        <p:style>
+          <a:lnRef idx="1">
+            <a:schemeClr val="accent1"/>
+          </a:lnRef>
+          <a:fillRef idx="0">
+            <a:schemeClr val="accent1"/>
+          </a:fillRef>
+          <a:effectRef idx="0">
+            <a:schemeClr val="accent1"/>
+          </a:effectRef>
+          <a:fontRef idx="minor">
+            <a:schemeClr val="tx1"/>
+          </a:fontRef>
+        </p:style>
+      </p:cxnSp>
+      <p:sp>
+        <p:nvSpPr>
+          <p:cNvPr id="25" name="Oval 24"/>
+          <p:cNvSpPr/>
+          <p:nvPr/>
+        </p:nvSpPr>
+        <p:spPr>
+          <a:xfrm>
+            <a:off x="4642338" y="4430883"/>
+            <a:ext cx="717452" cy="717452"/>
+          </a:xfrm>
+          <a:prstGeom prst="ellipse">
+            <a:avLst/>
+          </a:prstGeom>
+          <a:noFill/>
+          <a:ln w="25400">
+            <a:solidFill>
+              <a:schemeClr val="tx1"/>
+            </a:solidFill>
+          </a:ln>
+        </p:spPr>
+        <p:style>
+          <a:lnRef idx="2">
+            <a:schemeClr val="accent1">
+              <a:shade val="50000"/>
+            </a:schemeClr>
+          </a:lnRef>
+          <a:fillRef idx="1">
+            <a:schemeClr val="accent1"/>
+          </a:fillRef>
+          <a:effectRef idx="0">
+            <a:schemeClr val="accent1"/>
+          </a:effectRef>
+          <a:fontRef idx="minor">
+            <a:schemeClr val="lt1"/>
+          </a:fontRef>
+        </p:style>
+        <p:txBody>
+          <a:bodyPr rtlCol="0" anchor="ctr"/>
+          <a:lstStyle/>
+          <a:p>
+            <a:pPr algn="ctr"/>
+            <a:r>
+              <a:rPr lang="en-US" sz="4000" dirty="0" smtClean="0">
+                <a:solidFill>
+                  <a:schemeClr val="tx1"/>
+                </a:solidFill>
+              </a:rPr>
+              <a:t>1</a:t>
+            </a:r>
+            <a:endParaRPr lang="en-US" sz="4000" dirty="0">
+              <a:solidFill>
+                <a:schemeClr val="tx1"/>
+              </a:solidFill>
+            </a:endParaRPr>
+          </a:p>
+        </p:txBody>
+      </p:sp>
+      <p:sp>
+        <p:nvSpPr>
+          <p:cNvPr id="26" name="Oval 25"/>
+          <p:cNvSpPr/>
+          <p:nvPr/>
+        </p:nvSpPr>
+        <p:spPr>
+          <a:xfrm>
+            <a:off x="6064347" y="4430883"/>
+            <a:ext cx="717452" cy="717452"/>
+          </a:xfrm>
+          <a:prstGeom prst="ellipse">
+            <a:avLst/>
+          </a:prstGeom>
+          <a:noFill/>
+          <a:ln w="25400">
+            <a:solidFill>
+              <a:schemeClr val="tx1"/>
+            </a:solidFill>
+          </a:ln>
+        </p:spPr>
+        <p:style>
+          <a:lnRef idx="2">
+            <a:schemeClr val="accent1">
+              <a:shade val="50000"/>
+            </a:schemeClr>
+          </a:lnRef>
+          <a:fillRef idx="1">
+            <a:schemeClr val="accent1"/>
+          </a:fillRef>
+          <a:effectRef idx="0">
+            <a:schemeClr val="accent1"/>
+          </a:effectRef>
+          <a:fontRef idx="minor">
+            <a:schemeClr val="lt1"/>
+          </a:fontRef>
+        </p:style>
+        <p:txBody>
+          <a:bodyPr rtlCol="0" anchor="ctr"/>
+          <a:lstStyle/>
+          <a:p>
+            <a:pPr algn="ctr"/>
+            <a:r>
+              <a:rPr lang="en-US" sz="4000" dirty="0" smtClean="0">
+                <a:solidFill>
+                  <a:schemeClr val="tx1"/>
+                </a:solidFill>
+              </a:rPr>
+              <a:t>3</a:t>
+            </a:r>
+            <a:endParaRPr lang="en-US" sz="4000" dirty="0">
+              <a:solidFill>
+                <a:schemeClr val="tx1"/>
+              </a:solidFill>
+            </a:endParaRPr>
+          </a:p>
+        </p:txBody>
+      </p:sp>
+      <p:sp>
+        <p:nvSpPr>
+          <p:cNvPr id="28" name="Oval 27"/>
+          <p:cNvSpPr/>
+          <p:nvPr/>
+        </p:nvSpPr>
+        <p:spPr>
+          <a:xfrm>
+            <a:off x="7791156" y="3935728"/>
+            <a:ext cx="717452" cy="717452"/>
+          </a:xfrm>
+          <a:prstGeom prst="ellipse">
+            <a:avLst/>
+          </a:prstGeom>
+          <a:noFill/>
+          <a:ln w="25400">
+            <a:solidFill>
+              <a:schemeClr val="tx1"/>
+            </a:solidFill>
+          </a:ln>
+        </p:spPr>
+        <p:style>
+          <a:lnRef idx="2">
+            <a:schemeClr val="accent1">
+              <a:shade val="50000"/>
+            </a:schemeClr>
+          </a:lnRef>
+          <a:fillRef idx="1">
+            <a:schemeClr val="accent1"/>
+          </a:fillRef>
+          <a:effectRef idx="0">
+            <a:schemeClr val="accent1"/>
+          </a:effectRef>
+          <a:fontRef idx="minor">
+            <a:schemeClr val="lt1"/>
+          </a:fontRef>
+        </p:style>
+        <p:txBody>
+          <a:bodyPr rtlCol="0" anchor="ctr"/>
+          <a:lstStyle/>
+          <a:p>
+            <a:pPr algn="ctr"/>
+            <a:r>
+              <a:rPr lang="en-US" sz="4000" dirty="0" smtClean="0">
+                <a:solidFill>
+                  <a:schemeClr val="tx1"/>
+                </a:solidFill>
+              </a:rPr>
+              <a:t>5</a:t>
+            </a:r>
+            <a:endParaRPr lang="en-US" sz="4000" dirty="0">
+              <a:solidFill>
+                <a:schemeClr val="tx1"/>
+              </a:solidFill>
+            </a:endParaRPr>
+          </a:p>
+        </p:txBody>
+      </p:sp>
+      <p:cxnSp>
+        <p:nvCxnSpPr>
+          <p:cNvPr id="31" name="Straight Arrow Connector 30"/>
+          <p:cNvCxnSpPr>
+            <a:stCxn id="18" idx="4"/>
+            <a:endCxn id="28" idx="0"/>
+          </p:cNvCxnSpPr>
+          <p:nvPr/>
+        </p:nvCxnSpPr>
+        <p:spPr>
+          <a:xfrm>
+            <a:off x="8149882" y="3205089"/>
+            <a:ext cx="0" cy="730639"/>
+          </a:xfrm>
+          <a:prstGeom prst="straightConnector1">
+            <a:avLst/>
+          </a:prstGeom>
+          <a:ln w="31750">
+            <a:solidFill>
+              <a:schemeClr val="tx1"/>
+            </a:solidFill>
+            <a:prstDash val="solid"/>
+            <a:tailEnd type="none" w="lg" len="lg"/>
+          </a:ln>
+        </p:spPr>
+        <p:style>
+          <a:lnRef idx="1">
+            <a:schemeClr val="accent1"/>
+          </a:lnRef>
+          <a:fillRef idx="0">
+            <a:schemeClr val="accent1"/>
+          </a:fillRef>
+          <a:effectRef idx="0">
+            <a:schemeClr val="accent1"/>
+          </a:effectRef>
+          <a:fontRef idx="minor">
+            <a:schemeClr val="tx1"/>
+          </a:fontRef>
+        </p:style>
+      </p:cxnSp>
+      <p:cxnSp>
+        <p:nvCxnSpPr>
+          <p:cNvPr id="34" name="Straight Arrow Connector 33"/>
+          <p:cNvCxnSpPr>
+            <a:stCxn id="17" idx="4"/>
+            <a:endCxn id="26" idx="0"/>
+          </p:cNvCxnSpPr>
+          <p:nvPr/>
+        </p:nvCxnSpPr>
+        <p:spPr>
+          <a:xfrm flipH="1">
+            <a:off x="6423073" y="3765452"/>
+            <a:ext cx="12895" cy="665431"/>
+          </a:xfrm>
+          <a:prstGeom prst="straightConnector1">
+            <a:avLst/>
+          </a:prstGeom>
+          <a:ln w="31750">
+            <a:solidFill>
+              <a:schemeClr val="tx1"/>
+            </a:solidFill>
+            <a:prstDash val="solid"/>
+            <a:tailEnd type="none" w="lg" len="lg"/>
+          </a:ln>
+        </p:spPr>
+        <p:style>
+          <a:lnRef idx="1">
+            <a:schemeClr val="accent1"/>
+          </a:lnRef>
+          <a:fillRef idx="0">
+            <a:schemeClr val="accent1"/>
+          </a:fillRef>
+          <a:effectRef idx="0">
+            <a:schemeClr val="accent1"/>
+          </a:effectRef>
+          <a:fontRef idx="minor">
+            <a:schemeClr val="tx1"/>
+          </a:fontRef>
+        </p:style>
+      </p:cxnSp>
+      <p:cxnSp>
+        <p:nvCxnSpPr>
+          <p:cNvPr id="37" name="Straight Arrow Connector 36"/>
+          <p:cNvCxnSpPr>
+            <a:stCxn id="16" idx="4"/>
+            <a:endCxn id="25" idx="0"/>
+          </p:cNvCxnSpPr>
+          <p:nvPr/>
+        </p:nvCxnSpPr>
+        <p:spPr>
+          <a:xfrm>
+            <a:off x="5001064" y="3765452"/>
+            <a:ext cx="0" cy="665431"/>
+          </a:xfrm>
+          <a:prstGeom prst="straightConnector1">
+            <a:avLst/>
+          </a:prstGeom>
+          <a:ln w="31750">
+            <a:solidFill>
+              <a:schemeClr val="tx1"/>
+            </a:solidFill>
+            <a:prstDash val="solid"/>
+            <a:tailEnd type="none" w="lg" len="lg"/>
+          </a:ln>
+        </p:spPr>
+        <p:style>
+          <a:lnRef idx="1">
+            <a:schemeClr val="accent1"/>
+          </a:lnRef>
+          <a:fillRef idx="0">
+            <a:schemeClr val="accent1"/>
+          </a:fillRef>
+          <a:effectRef idx="0">
+            <a:schemeClr val="accent1"/>
+          </a:effectRef>
+          <a:fontRef idx="minor">
+            <a:schemeClr val="tx1"/>
+          </a:fontRef>
+        </p:style>
+      </p:cxnSp>
+      <p:sp>
+        <p:nvSpPr>
+          <p:cNvPr id="27" name="Oval 26"/>
+          <p:cNvSpPr/>
+          <p:nvPr/>
+        </p:nvSpPr>
+        <p:spPr>
+          <a:xfrm>
+            <a:off x="4642338" y="5813766"/>
+            <a:ext cx="717452" cy="717452"/>
+          </a:xfrm>
+          <a:prstGeom prst="ellipse">
+            <a:avLst/>
+          </a:prstGeom>
+          <a:noFill/>
+          <a:ln w="25400">
+            <a:solidFill>
+              <a:schemeClr val="tx1"/>
+            </a:solidFill>
+          </a:ln>
+        </p:spPr>
+        <p:style>
+          <a:lnRef idx="2">
+            <a:schemeClr val="accent1">
+              <a:shade val="50000"/>
+            </a:schemeClr>
+          </a:lnRef>
+          <a:fillRef idx="1">
+            <a:schemeClr val="accent1"/>
+          </a:fillRef>
+          <a:effectRef idx="0">
+            <a:schemeClr val="accent1"/>
+          </a:effectRef>
+          <a:fontRef idx="minor">
+            <a:schemeClr val="lt1"/>
+          </a:fontRef>
+        </p:style>
+        <p:txBody>
+          <a:bodyPr rtlCol="0" anchor="ctr"/>
+          <a:lstStyle/>
+          <a:p>
+            <a:pPr algn="ctr"/>
+            <a:r>
+              <a:rPr lang="en-US" sz="4000" dirty="0" smtClean="0">
+                <a:solidFill>
+                  <a:schemeClr val="tx1"/>
+                </a:solidFill>
+              </a:rPr>
+              <a:t>2</a:t>
+            </a:r>
+            <a:endParaRPr lang="en-US" sz="4000" dirty="0">
+              <a:solidFill>
+                <a:schemeClr val="tx1"/>
+              </a:solidFill>
+            </a:endParaRPr>
+          </a:p>
+        </p:txBody>
+      </p:sp>
+      <p:sp>
+        <p:nvSpPr>
+          <p:cNvPr id="29" name="Oval 28"/>
+          <p:cNvSpPr/>
+          <p:nvPr/>
+        </p:nvSpPr>
+        <p:spPr>
+          <a:xfrm>
+            <a:off x="6077242" y="5813766"/>
+            <a:ext cx="717452" cy="717452"/>
+          </a:xfrm>
+          <a:prstGeom prst="ellipse">
+            <a:avLst/>
+          </a:prstGeom>
+          <a:noFill/>
+          <a:ln w="25400">
+            <a:solidFill>
+              <a:schemeClr val="tx1"/>
+            </a:solidFill>
+          </a:ln>
+        </p:spPr>
+        <p:style>
+          <a:lnRef idx="2">
+            <a:schemeClr val="accent1">
+              <a:shade val="50000"/>
+            </a:schemeClr>
+          </a:lnRef>
+          <a:fillRef idx="1">
+            <a:schemeClr val="accent1"/>
+          </a:fillRef>
+          <a:effectRef idx="0">
+            <a:schemeClr val="accent1"/>
+          </a:effectRef>
+          <a:fontRef idx="minor">
+            <a:schemeClr val="lt1"/>
+          </a:fontRef>
+        </p:style>
+        <p:txBody>
+          <a:bodyPr rtlCol="0" anchor="ctr"/>
+          <a:lstStyle/>
+          <a:p>
+            <a:pPr algn="ctr"/>
+            <a:r>
+              <a:rPr lang="en-US" sz="4000" dirty="0" smtClean="0">
+                <a:solidFill>
+                  <a:schemeClr val="tx1"/>
+                </a:solidFill>
+              </a:rPr>
+              <a:t>2</a:t>
+            </a:r>
+            <a:endParaRPr lang="en-US" sz="4000" dirty="0">
+              <a:solidFill>
+                <a:schemeClr val="tx1"/>
+              </a:solidFill>
+            </a:endParaRPr>
+          </a:p>
+        </p:txBody>
+      </p:sp>
+      <p:cxnSp>
+        <p:nvCxnSpPr>
+          <p:cNvPr id="32" name="Straight Arrow Connector 31"/>
+          <p:cNvCxnSpPr>
+            <a:stCxn id="25" idx="4"/>
+            <a:endCxn id="27" idx="0"/>
+          </p:cNvCxnSpPr>
+          <p:nvPr/>
+        </p:nvCxnSpPr>
+        <p:spPr>
+          <a:xfrm>
+            <a:off x="5001064" y="5148335"/>
+            <a:ext cx="0" cy="665431"/>
+          </a:xfrm>
+          <a:prstGeom prst="straightConnector1">
+            <a:avLst/>
+          </a:prstGeom>
+          <a:ln w="31750">
+            <a:solidFill>
+              <a:schemeClr val="tx1"/>
+            </a:solidFill>
+            <a:prstDash val="solid"/>
+            <a:tailEnd type="none" w="lg" len="lg"/>
+          </a:ln>
+        </p:spPr>
+        <p:style>
+          <a:lnRef idx="1">
+            <a:schemeClr val="accent1"/>
+          </a:lnRef>
+          <a:fillRef idx="0">
+            <a:schemeClr val="accent1"/>
+          </a:fillRef>
+          <a:effectRef idx="0">
+            <a:schemeClr val="accent1"/>
+          </a:effectRef>
+          <a:fontRef idx="minor">
+            <a:schemeClr val="tx1"/>
+          </a:fontRef>
+        </p:style>
+      </p:cxnSp>
+      <p:cxnSp>
+        <p:nvCxnSpPr>
+          <p:cNvPr id="33" name="Straight Arrow Connector 32"/>
+          <p:cNvCxnSpPr>
+            <a:stCxn id="26" idx="4"/>
+            <a:endCxn id="29" idx="0"/>
+          </p:cNvCxnSpPr>
+          <p:nvPr/>
+        </p:nvCxnSpPr>
+        <p:spPr>
+          <a:xfrm>
+            <a:off x="6423073" y="5148335"/>
+            <a:ext cx="12895" cy="665431"/>
+          </a:xfrm>
+          <a:prstGeom prst="straightConnector1">
+            <a:avLst/>
+          </a:prstGeom>
+          <a:ln w="31750">
+            <a:solidFill>
+              <a:schemeClr val="tx1"/>
+            </a:solidFill>
+            <a:prstDash val="solid"/>
+            <a:tailEnd type="none" w="lg" len="lg"/>
+          </a:ln>
+        </p:spPr>
+        <p:style>
+          <a:lnRef idx="1">
+            <a:schemeClr val="accent1"/>
+          </a:lnRef>
+          <a:fillRef idx="0">
+            <a:schemeClr val="accent1"/>
+          </a:fillRef>
+          <a:effectRef idx="0">
+            <a:schemeClr val="accent1"/>
+          </a:effectRef>
+          <a:fontRef idx="minor">
+            <a:schemeClr val="tx1"/>
+          </a:fontRef>
+        </p:style>
+      </p:cxnSp>
+      <p:sp>
+        <p:nvSpPr>
+          <p:cNvPr id="35" name="Oval 34"/>
+          <p:cNvSpPr/>
+          <p:nvPr/>
+        </p:nvSpPr>
+        <p:spPr>
+          <a:xfrm>
+            <a:off x="2198077" y="5144228"/>
+            <a:ext cx="717452" cy="717452"/>
+          </a:xfrm>
+          <a:prstGeom prst="ellipse">
+            <a:avLst/>
+          </a:prstGeom>
+          <a:noFill/>
+          <a:ln w="25400">
+            <a:solidFill>
+              <a:schemeClr val="tx1"/>
+            </a:solidFill>
+          </a:ln>
+        </p:spPr>
+        <p:style>
+          <a:lnRef idx="2">
+            <a:schemeClr val="accent1">
+              <a:shade val="50000"/>
+            </a:schemeClr>
+          </a:lnRef>
+          <a:fillRef idx="1">
+            <a:schemeClr val="accent1"/>
+          </a:fillRef>
+          <a:effectRef idx="0">
+            <a:schemeClr val="accent1"/>
+          </a:effectRef>
+          <a:fontRef idx="minor">
+            <a:schemeClr val="lt1"/>
+          </a:fontRef>
+        </p:style>
+        <p:txBody>
+          <a:bodyPr rtlCol="0" anchor="ctr"/>
+          <a:lstStyle/>
+          <a:p>
+            <a:pPr algn="ctr"/>
+            <a:r>
+              <a:rPr lang="en-US" sz="4000" dirty="0" smtClean="0">
+                <a:solidFill>
+                  <a:schemeClr val="tx1"/>
+                </a:solidFill>
+              </a:rPr>
+              <a:t>2</a:t>
+            </a:r>
+            <a:endParaRPr lang="en-US" sz="4000" dirty="0">
+              <a:solidFill>
+                <a:schemeClr val="tx1"/>
+              </a:solidFill>
+            </a:endParaRPr>
+          </a:p>
+        </p:txBody>
+      </p:sp>
+      <p:sp>
+        <p:nvSpPr>
+          <p:cNvPr id="36" name="Oval 35"/>
+          <p:cNvSpPr/>
+          <p:nvPr/>
+        </p:nvSpPr>
+        <p:spPr>
+          <a:xfrm>
+            <a:off x="3632981" y="5144228"/>
+            <a:ext cx="717452" cy="717452"/>
+          </a:xfrm>
+          <a:prstGeom prst="ellipse">
+            <a:avLst/>
+          </a:prstGeom>
+          <a:noFill/>
+          <a:ln w="25400">
+            <a:solidFill>
+              <a:schemeClr val="tx1"/>
+            </a:solidFill>
+          </a:ln>
+        </p:spPr>
+        <p:style>
+          <a:lnRef idx="2">
+            <a:schemeClr val="accent1">
+              <a:shade val="50000"/>
+            </a:schemeClr>
+          </a:lnRef>
+          <a:fillRef idx="1">
+            <a:schemeClr val="accent1"/>
+          </a:fillRef>
+          <a:effectRef idx="0">
+            <a:schemeClr val="accent1"/>
+          </a:effectRef>
+          <a:fontRef idx="minor">
+            <a:schemeClr val="lt1"/>
+          </a:fontRef>
+        </p:style>
+        <p:txBody>
+          <a:bodyPr rtlCol="0" anchor="ctr"/>
+          <a:lstStyle/>
+          <a:p>
+            <a:pPr algn="ctr"/>
+            <a:r>
+              <a:rPr lang="en-US" sz="4000" dirty="0" smtClean="0">
+                <a:solidFill>
+                  <a:schemeClr val="tx1"/>
+                </a:solidFill>
+              </a:rPr>
+              <a:t>6</a:t>
+            </a:r>
+            <a:endParaRPr lang="en-US" sz="4000" dirty="0">
+              <a:solidFill>
+                <a:schemeClr val="tx1"/>
+              </a:solidFill>
+            </a:endParaRPr>
+          </a:p>
+        </p:txBody>
+      </p:sp>
+      <p:cxnSp>
+        <p:nvCxnSpPr>
+          <p:cNvPr id="38" name="Straight Arrow Connector 37"/>
+          <p:cNvCxnSpPr>
+            <a:stCxn id="19" idx="3"/>
+            <a:endCxn id="35" idx="0"/>
+          </p:cNvCxnSpPr>
+          <p:nvPr/>
+        </p:nvCxnSpPr>
+        <p:spPr>
+          <a:xfrm flipH="1">
+            <a:off x="2556803" y="4548112"/>
+            <a:ext cx="477056" cy="596116"/>
+          </a:xfrm>
+          <a:prstGeom prst="straightConnector1">
+            <a:avLst/>
+          </a:prstGeom>
+          <a:ln w="31750">
+            <a:solidFill>
+              <a:schemeClr val="tx1"/>
+            </a:solidFill>
+            <a:prstDash val="solid"/>
+            <a:tailEnd type="none" w="lg" len="lg"/>
+          </a:ln>
+        </p:spPr>
+        <p:style>
+          <a:lnRef idx="1">
+            <a:schemeClr val="accent1"/>
+          </a:lnRef>
+          <a:fillRef idx="0">
+            <a:schemeClr val="accent1"/>
+          </a:fillRef>
+          <a:effectRef idx="0">
+            <a:schemeClr val="accent1"/>
+          </a:effectRef>
+          <a:fontRef idx="minor">
+            <a:schemeClr val="tx1"/>
+          </a:fontRef>
+        </p:style>
+      </p:cxnSp>
+      <p:cxnSp>
+        <p:nvCxnSpPr>
+          <p:cNvPr id="39" name="Straight Arrow Connector 38"/>
+          <p:cNvCxnSpPr>
+            <a:stCxn id="19" idx="5"/>
+            <a:endCxn id="36" idx="0"/>
+          </p:cNvCxnSpPr>
+          <p:nvPr/>
+        </p:nvCxnSpPr>
+        <p:spPr>
+          <a:xfrm>
+            <a:off x="3541175" y="4548112"/>
+            <a:ext cx="450532" cy="596116"/>
+          </a:xfrm>
+          <a:prstGeom prst="straightConnector1">
+            <a:avLst/>
+          </a:prstGeom>
+          <a:ln w="31750">
+            <a:solidFill>
+              <a:schemeClr val="tx1"/>
+            </a:solidFill>
+            <a:prstDash val="solid"/>
+            <a:tailEnd type="none" w="lg" len="lg"/>
+          </a:ln>
+        </p:spPr>
+        <p:style>
+          <a:lnRef idx="1">
+            <a:schemeClr val="accent1"/>
+          </a:lnRef>
+          <a:fillRef idx="0">
+            <a:schemeClr val="accent1"/>
+          </a:fillRef>
+          <a:effectRef idx="0">
+            <a:schemeClr val="accent1"/>
+          </a:effectRef>
+          <a:fontRef idx="minor">
+            <a:schemeClr val="tx1"/>
+          </a:fontRef>
+        </p:style>
+      </p:cxnSp>
+      <p:sp>
+        <p:nvSpPr>
+          <p:cNvPr id="42" name="Oval 41"/>
+          <p:cNvSpPr/>
+          <p:nvPr/>
+        </p:nvSpPr>
+        <p:spPr>
+          <a:xfrm>
+            <a:off x="7073704" y="5144228"/>
+            <a:ext cx="717452" cy="717452"/>
+          </a:xfrm>
+          <a:prstGeom prst="ellipse">
+            <a:avLst/>
+          </a:prstGeom>
+          <a:noFill/>
+          <a:ln w="25400">
+            <a:solidFill>
+              <a:schemeClr val="tx1"/>
+            </a:solidFill>
+          </a:ln>
+        </p:spPr>
+        <p:style>
+          <a:lnRef idx="2">
+            <a:schemeClr val="accent1">
+              <a:shade val="50000"/>
+            </a:schemeClr>
+          </a:lnRef>
+          <a:fillRef idx="1">
+            <a:schemeClr val="accent1"/>
+          </a:fillRef>
+          <a:effectRef idx="0">
+            <a:schemeClr val="accent1"/>
+          </a:effectRef>
+          <a:fontRef idx="minor">
+            <a:schemeClr val="lt1"/>
+          </a:fontRef>
+        </p:style>
+        <p:txBody>
+          <a:bodyPr rtlCol="0" anchor="ctr"/>
+          <a:lstStyle/>
+          <a:p>
+            <a:pPr algn="ctr"/>
+            <a:r>
+              <a:rPr lang="en-US" sz="4000" dirty="0" smtClean="0">
+                <a:solidFill>
+                  <a:schemeClr val="tx1"/>
+                </a:solidFill>
+              </a:rPr>
+              <a:t>4</a:t>
+            </a:r>
+            <a:endParaRPr lang="en-US" sz="4000" dirty="0">
+              <a:solidFill>
+                <a:schemeClr val="tx1"/>
+              </a:solidFill>
+            </a:endParaRPr>
+          </a:p>
+        </p:txBody>
+      </p:sp>
+      <p:sp>
+        <p:nvSpPr>
+          <p:cNvPr id="43" name="Oval 42"/>
+          <p:cNvSpPr/>
+          <p:nvPr/>
+        </p:nvSpPr>
+        <p:spPr>
+          <a:xfrm>
+            <a:off x="8508608" y="5144228"/>
+            <a:ext cx="717452" cy="717452"/>
+          </a:xfrm>
+          <a:prstGeom prst="ellipse">
+            <a:avLst/>
+          </a:prstGeom>
+          <a:noFill/>
+          <a:ln w="25400">
+            <a:solidFill>
+              <a:schemeClr val="tx1"/>
+            </a:solidFill>
+          </a:ln>
+        </p:spPr>
+        <p:style>
+          <a:lnRef idx="2">
+            <a:schemeClr val="accent1">
+              <a:shade val="50000"/>
+            </a:schemeClr>
+          </a:lnRef>
+          <a:fillRef idx="1">
+            <a:schemeClr val="accent1"/>
+          </a:fillRef>
+          <a:effectRef idx="0">
+            <a:schemeClr val="accent1"/>
+          </a:effectRef>
+          <a:fontRef idx="minor">
+            <a:schemeClr val="lt1"/>
+          </a:fontRef>
+        </p:style>
+        <p:txBody>
+          <a:bodyPr rtlCol="0" anchor="ctr"/>
+          <a:lstStyle/>
+          <a:p>
+            <a:pPr algn="ctr"/>
+            <a:r>
+              <a:rPr lang="en-US" sz="4000" dirty="0" smtClean="0">
+                <a:solidFill>
+                  <a:schemeClr val="tx1"/>
+                </a:solidFill>
+              </a:rPr>
+              <a:t>2</a:t>
+            </a:r>
+            <a:endParaRPr lang="en-US" sz="4000" dirty="0">
+              <a:solidFill>
+                <a:schemeClr val="tx1"/>
+              </a:solidFill>
+            </a:endParaRPr>
+          </a:p>
+        </p:txBody>
+      </p:sp>
+      <p:cxnSp>
+        <p:nvCxnSpPr>
+          <p:cNvPr id="44" name="Straight Arrow Connector 43"/>
+          <p:cNvCxnSpPr>
+            <a:stCxn id="28" idx="5"/>
+            <a:endCxn id="43" idx="0"/>
+          </p:cNvCxnSpPr>
+          <p:nvPr/>
+        </p:nvCxnSpPr>
+        <p:spPr>
+          <a:xfrm>
+            <a:off x="8403540" y="4548112"/>
+            <a:ext cx="463794" cy="596116"/>
+          </a:xfrm>
+          <a:prstGeom prst="straightConnector1">
+            <a:avLst/>
+          </a:prstGeom>
+          <a:ln w="31750">
+            <a:solidFill>
+              <a:schemeClr val="tx1"/>
+            </a:solidFill>
+            <a:prstDash val="solid"/>
+            <a:tailEnd type="none" w="lg" len="lg"/>
+          </a:ln>
+        </p:spPr>
+        <p:style>
+          <a:lnRef idx="1">
+            <a:schemeClr val="accent1"/>
+          </a:lnRef>
+          <a:fillRef idx="0">
+            <a:schemeClr val="accent1"/>
+          </a:fillRef>
+          <a:effectRef idx="0">
+            <a:schemeClr val="accent1"/>
+          </a:effectRef>
+          <a:fontRef idx="minor">
+            <a:schemeClr val="tx1"/>
+          </a:fontRef>
+        </p:style>
+      </p:cxnSp>
+      <p:cxnSp>
+        <p:nvCxnSpPr>
+          <p:cNvPr id="47" name="Straight Arrow Connector 46"/>
+          <p:cNvCxnSpPr>
+            <a:stCxn id="28" idx="3"/>
+            <a:endCxn id="42" idx="0"/>
+          </p:cNvCxnSpPr>
+          <p:nvPr/>
+        </p:nvCxnSpPr>
+        <p:spPr>
+          <a:xfrm flipH="1">
+            <a:off x="7432430" y="4548112"/>
+            <a:ext cx="463794" cy="596116"/>
+          </a:xfrm>
+          <a:prstGeom prst="straightConnector1">
+            <a:avLst/>
+          </a:prstGeom>
+          <a:ln w="31750">
+            <a:solidFill>
+              <a:schemeClr val="tx1"/>
+            </a:solidFill>
+            <a:prstDash val="solid"/>
+            <a:tailEnd type="none" w="lg" len="lg"/>
+          </a:ln>
+        </p:spPr>
+        <p:style>
+          <a:lnRef idx="1">
+            <a:schemeClr val="accent1"/>
+          </a:lnRef>
+          <a:fillRef idx="0">
+            <a:schemeClr val="accent1"/>
+          </a:fillRef>
+          <a:effectRef idx="0">
+            <a:schemeClr val="accent1"/>
+          </a:effectRef>
+          <a:fontRef idx="minor">
+            <a:schemeClr val="tx1"/>
+          </a:fontRef>
+        </p:style>
+      </p:cxnSp>
+    </p:spTree>
+    <p:extLst>
+      <p:ext uri="{BB962C8B-B14F-4D97-AF65-F5344CB8AC3E}">
+        <p14:creationId xmlns:p14="http://schemas.microsoft.com/office/powerpoint/2010/main" val="97530176"/>
+      </p:ext>
+    </p:extLst>
+  </p:cSld>
+  <p:clrMapOvr>
+    <a:masterClrMapping/>
+  </p:clrMapOvr>
+</p:sld>
+</file>
+
 <file path=ppt/theme/theme1.xml><?xml version="1.0" encoding="utf-8"?>
 <a:theme xmlns:a="http://schemas.openxmlformats.org/drawingml/2006/main" name="Office Theme">
   <a:themeElements>
